--- a/PPT/DSLab_이승건_BERT멘토링발표.pptx
+++ b/PPT/DSLab_이승건_BERT멘토링발표.pptx
@@ -283,6 +283,11 @@
       </a:defRPr>
     </a:lvl9pPr>
   </p:defaultTextStyle>
+  <p:extLst>
+    <p:ext uri="{EFAFB233-063F-42B5-8137-9DF3F51BA10A}">
+      <p15:sldGuideLst xmlns:p15="http://schemas.microsoft.com/office/powerpoint/2012/main"/>
+    </p:ext>
+  </p:extLst>
 </p:presentation>
 </file>
 
@@ -6189,28 +6194,70 @@
               <a:buNone/>
             </a:pPr>
             <a:r>
-              <a:rPr lang="en-US" sz="5000" dirty="0">
+              <a:rPr lang="en-US" sz="2000" dirty="0">
                 <a:solidFill>
-                  <a:schemeClr val="dk2"/>
+                  <a:schemeClr val="tx2">
+                    <a:lumMod val="10000"/>
+                  </a:schemeClr>
                 </a:solidFill>
                 <a:latin typeface="Noto Sans" panose="020B0502040504020204" pitchFamily="34" charset="0"/>
                 <a:ea typeface="Noto Sans" panose="020B0502040504020204" pitchFamily="34" charset="0"/>
               </a:rPr>
-              <a:t>BERT </a:t>
+              <a:t>BERT: </a:t>
             </a:r>
             <a:r>
-              <a:rPr lang="ko-KR" altLang="en-US" sz="5000" dirty="0">
+              <a:rPr lang="en-US" sz="2000" dirty="0" err="1">
                 <a:solidFill>
-                  <a:schemeClr val="dk2"/>
+                  <a:schemeClr val="tx2">
+                    <a:lumMod val="10000"/>
+                  </a:schemeClr>
                 </a:solidFill>
                 <a:latin typeface="Noto Sans" panose="020B0502040504020204" pitchFamily="34" charset="0"/>
                 <a:ea typeface="Noto Sans" panose="020B0502040504020204" pitchFamily="34" charset="0"/>
               </a:rPr>
-              <a:t>멘토링 리뷰</a:t>
+              <a:t>WanB</a:t>
             </a:r>
-            <a:endParaRPr sz="5000" dirty="0">
+            <a:r>
+              <a:rPr lang="ko-KR" altLang="en-US" sz="2000" dirty="0">
+                <a:solidFill>
+                  <a:schemeClr val="tx2">
+                    <a:lumMod val="10000"/>
+                  </a:schemeClr>
+                </a:solidFill>
+                <a:latin typeface="Noto Sans" panose="020B0502040504020204" pitchFamily="34" charset="0"/>
+                <a:ea typeface="Noto Sans" panose="020B0502040504020204" pitchFamily="34" charset="0"/>
+              </a:rPr>
+              <a:t>를 활용한 </a:t>
+            </a:r>
+            <a:r>
+              <a:rPr lang="ko-KR" altLang="en-US" sz="2000" dirty="0" err="1">
+                <a:solidFill>
+                  <a:schemeClr val="tx2">
+                    <a:lumMod val="10000"/>
+                  </a:schemeClr>
+                </a:solidFill>
+                <a:latin typeface="Noto Sans" panose="020B0502040504020204" pitchFamily="34" charset="0"/>
+                <a:ea typeface="Noto Sans" panose="020B0502040504020204" pitchFamily="34" charset="0"/>
+              </a:rPr>
+              <a:t>하이퍼파라미터</a:t>
+            </a:r>
+            <a:r>
+              <a:rPr lang="ko-KR" altLang="en-US" sz="2000" dirty="0">
+                <a:solidFill>
+                  <a:schemeClr val="tx2">
+                    <a:lumMod val="10000"/>
+                  </a:schemeClr>
+                </a:solidFill>
+                <a:latin typeface="Noto Sans" panose="020B0502040504020204" pitchFamily="34" charset="0"/>
+                <a:ea typeface="Noto Sans" panose="020B0502040504020204" pitchFamily="34" charset="0"/>
+              </a:rPr>
+              <a:t> 조정</a:t>
+            </a:r>
+            <a:endParaRPr sz="2000" dirty="0">
               <a:solidFill>
-                <a:schemeClr val="dk2"/>
+                <a:schemeClr val="tx2">
+                  <a:lumMod val="10000"/>
+                </a:schemeClr>
               </a:solidFill>
               <a:latin typeface="Noto Sans" panose="020B0502040504020204" pitchFamily="34" charset="0"/>
               <a:ea typeface="Noto Sans" panose="020B0502040504020204" pitchFamily="34" charset="0"/>
@@ -6230,7 +6277,7 @@
         </p:nvSpPr>
         <p:spPr>
           <a:xfrm>
-            <a:off x="6808763" y="3924719"/>
+            <a:off x="6929786" y="4180213"/>
             <a:ext cx="1882620" cy="378073"/>
           </a:xfrm>
           <a:prstGeom prst="rect">
@@ -6254,12 +6301,22 @@
             </a:pPr>
             <a:r>
               <a:rPr lang="ko-KR" altLang="en-US" sz="1400" dirty="0">
+                <a:solidFill>
+                  <a:schemeClr val="tx2">
+                    <a:lumMod val="10000"/>
+                  </a:schemeClr>
+                </a:solidFill>
                 <a:latin typeface="Noto Sans" panose="020B0502040504020204" pitchFamily="34" charset="0"/>
                 <a:ea typeface="Noto Sans" panose="020B0502040504020204" pitchFamily="34" charset="0"/>
               </a:rPr>
               <a:t>석사과정 이승건</a:t>
             </a:r>
             <a:endParaRPr sz="1400" dirty="0">
+              <a:solidFill>
+                <a:schemeClr val="tx2">
+                  <a:lumMod val="10000"/>
+                </a:schemeClr>
+              </a:solidFill>
               <a:latin typeface="Noto Sans" panose="020B0502040504020204" pitchFamily="34" charset="0"/>
               <a:ea typeface="Noto Sans" panose="020B0502040504020204" pitchFamily="34" charset="0"/>
             </a:endParaRPr>
@@ -7007,6 +7064,758 @@
           </a:p>
         </p:txBody>
       </p:sp>
+      <p:sp>
+        <p:nvSpPr>
+          <p:cNvPr id="4" name="Google Shape;285;p29">
+            <a:extLst>
+              <a:ext uri="{FF2B5EF4-FFF2-40B4-BE49-F238E27FC236}">
+                <a16:creationId xmlns:a16="http://schemas.microsoft.com/office/drawing/2014/main" id="{7F4BC116-1494-6FEA-4569-154505FB9A70}"/>
+              </a:ext>
+            </a:extLst>
+          </p:cNvPr>
+          <p:cNvSpPr txBox="1">
+            <a:spLocks/>
+          </p:cNvSpPr>
+          <p:nvPr/>
+        </p:nvSpPr>
+        <p:spPr>
+          <a:xfrm>
+            <a:off x="291386" y="1012497"/>
+            <a:ext cx="2176149" cy="1293673"/>
+          </a:xfrm>
+          <a:prstGeom prst="rect">
+            <a:avLst/>
+          </a:prstGeom>
+          <a:noFill/>
+          <a:ln>
+            <a:noFill/>
+          </a:ln>
+        </p:spPr>
+        <p:txBody>
+          <a:bodyPr spcFirstLastPara="1" wrap="square" lIns="91425" tIns="91425" rIns="91425" bIns="91425" anchor="ctr" anchorCtr="0">
+            <a:noAutofit/>
+          </a:bodyPr>
+          <a:lstStyle>
+            <a:defPPr marR="0" lvl="0" algn="l" rtl="0">
+              <a:lnSpc>
+                <a:spcPct val="100000"/>
+              </a:lnSpc>
+              <a:spcBef>
+                <a:spcPts val="0"/>
+              </a:spcBef>
+              <a:spcAft>
+                <a:spcPts val="0"/>
+              </a:spcAft>
+            </a:defPPr>
+            <a:lvl1pPr marR="0" lvl="0" algn="l" rtl="0">
+              <a:lnSpc>
+                <a:spcPct val="100000"/>
+              </a:lnSpc>
+              <a:spcBef>
+                <a:spcPts val="0"/>
+              </a:spcBef>
+              <a:spcAft>
+                <a:spcPts val="0"/>
+              </a:spcAft>
+              <a:buClr>
+                <a:schemeClr val="dk1"/>
+              </a:buClr>
+              <a:buSzPts val="3000"/>
+              <a:buFont typeface="Quicksand"/>
+              <a:buNone/>
+              <a:defRPr sz="3000" b="1" i="0" u="none" strike="noStrike" cap="none">
+                <a:solidFill>
+                  <a:schemeClr val="dk1"/>
+                </a:solidFill>
+                <a:latin typeface="Quicksand"/>
+                <a:ea typeface="Quicksand"/>
+                <a:cs typeface="Quicksand"/>
+                <a:sym typeface="Quicksand"/>
+              </a:defRPr>
+            </a:lvl1pPr>
+            <a:lvl2pPr marR="0" lvl="1" algn="l" rtl="0">
+              <a:lnSpc>
+                <a:spcPct val="100000"/>
+              </a:lnSpc>
+              <a:spcBef>
+                <a:spcPts val="0"/>
+              </a:spcBef>
+              <a:spcAft>
+                <a:spcPts val="0"/>
+              </a:spcAft>
+              <a:buClr>
+                <a:schemeClr val="dk1"/>
+              </a:buClr>
+              <a:buSzPts val="3000"/>
+              <a:buFont typeface="Quicksand"/>
+              <a:buNone/>
+              <a:defRPr sz="3000" b="1" i="0" u="none" strike="noStrike" cap="none">
+                <a:solidFill>
+                  <a:schemeClr val="dk1"/>
+                </a:solidFill>
+                <a:latin typeface="Quicksand"/>
+                <a:ea typeface="Quicksand"/>
+                <a:cs typeface="Quicksand"/>
+                <a:sym typeface="Quicksand"/>
+              </a:defRPr>
+            </a:lvl2pPr>
+            <a:lvl3pPr marR="0" lvl="2" algn="l" rtl="0">
+              <a:lnSpc>
+                <a:spcPct val="100000"/>
+              </a:lnSpc>
+              <a:spcBef>
+                <a:spcPts val="0"/>
+              </a:spcBef>
+              <a:spcAft>
+                <a:spcPts val="0"/>
+              </a:spcAft>
+              <a:buClr>
+                <a:schemeClr val="dk1"/>
+              </a:buClr>
+              <a:buSzPts val="3000"/>
+              <a:buFont typeface="Quicksand"/>
+              <a:buNone/>
+              <a:defRPr sz="3000" b="1" i="0" u="none" strike="noStrike" cap="none">
+                <a:solidFill>
+                  <a:schemeClr val="dk1"/>
+                </a:solidFill>
+                <a:latin typeface="Quicksand"/>
+                <a:ea typeface="Quicksand"/>
+                <a:cs typeface="Quicksand"/>
+                <a:sym typeface="Quicksand"/>
+              </a:defRPr>
+            </a:lvl3pPr>
+            <a:lvl4pPr marR="0" lvl="3" algn="l" rtl="0">
+              <a:lnSpc>
+                <a:spcPct val="100000"/>
+              </a:lnSpc>
+              <a:spcBef>
+                <a:spcPts val="0"/>
+              </a:spcBef>
+              <a:spcAft>
+                <a:spcPts val="0"/>
+              </a:spcAft>
+              <a:buClr>
+                <a:schemeClr val="dk1"/>
+              </a:buClr>
+              <a:buSzPts val="3000"/>
+              <a:buFont typeface="Quicksand"/>
+              <a:buNone/>
+              <a:defRPr sz="3000" b="1" i="0" u="none" strike="noStrike" cap="none">
+                <a:solidFill>
+                  <a:schemeClr val="dk1"/>
+                </a:solidFill>
+                <a:latin typeface="Quicksand"/>
+                <a:ea typeface="Quicksand"/>
+                <a:cs typeface="Quicksand"/>
+                <a:sym typeface="Quicksand"/>
+              </a:defRPr>
+            </a:lvl4pPr>
+            <a:lvl5pPr marR="0" lvl="4" algn="l" rtl="0">
+              <a:lnSpc>
+                <a:spcPct val="100000"/>
+              </a:lnSpc>
+              <a:spcBef>
+                <a:spcPts val="0"/>
+              </a:spcBef>
+              <a:spcAft>
+                <a:spcPts val="0"/>
+              </a:spcAft>
+              <a:buClr>
+                <a:schemeClr val="dk1"/>
+              </a:buClr>
+              <a:buSzPts val="3000"/>
+              <a:buFont typeface="Quicksand"/>
+              <a:buNone/>
+              <a:defRPr sz="3000" b="1" i="0" u="none" strike="noStrike" cap="none">
+                <a:solidFill>
+                  <a:schemeClr val="dk1"/>
+                </a:solidFill>
+                <a:latin typeface="Quicksand"/>
+                <a:ea typeface="Quicksand"/>
+                <a:cs typeface="Quicksand"/>
+                <a:sym typeface="Quicksand"/>
+              </a:defRPr>
+            </a:lvl5pPr>
+            <a:lvl6pPr marR="0" lvl="5" algn="l" rtl="0">
+              <a:lnSpc>
+                <a:spcPct val="100000"/>
+              </a:lnSpc>
+              <a:spcBef>
+                <a:spcPts val="0"/>
+              </a:spcBef>
+              <a:spcAft>
+                <a:spcPts val="0"/>
+              </a:spcAft>
+              <a:buClr>
+                <a:schemeClr val="dk1"/>
+              </a:buClr>
+              <a:buSzPts val="3000"/>
+              <a:buFont typeface="Quicksand"/>
+              <a:buNone/>
+              <a:defRPr sz="3000" b="1" i="0" u="none" strike="noStrike" cap="none">
+                <a:solidFill>
+                  <a:schemeClr val="dk1"/>
+                </a:solidFill>
+                <a:latin typeface="Quicksand"/>
+                <a:ea typeface="Quicksand"/>
+                <a:cs typeface="Quicksand"/>
+                <a:sym typeface="Quicksand"/>
+              </a:defRPr>
+            </a:lvl6pPr>
+            <a:lvl7pPr marR="0" lvl="6" algn="l" rtl="0">
+              <a:lnSpc>
+                <a:spcPct val="100000"/>
+              </a:lnSpc>
+              <a:spcBef>
+                <a:spcPts val="0"/>
+              </a:spcBef>
+              <a:spcAft>
+                <a:spcPts val="0"/>
+              </a:spcAft>
+              <a:buClr>
+                <a:schemeClr val="dk1"/>
+              </a:buClr>
+              <a:buSzPts val="3000"/>
+              <a:buFont typeface="Quicksand"/>
+              <a:buNone/>
+              <a:defRPr sz="3000" b="1" i="0" u="none" strike="noStrike" cap="none">
+                <a:solidFill>
+                  <a:schemeClr val="dk1"/>
+                </a:solidFill>
+                <a:latin typeface="Quicksand"/>
+                <a:ea typeface="Quicksand"/>
+                <a:cs typeface="Quicksand"/>
+                <a:sym typeface="Quicksand"/>
+              </a:defRPr>
+            </a:lvl7pPr>
+            <a:lvl8pPr marR="0" lvl="7" algn="l" rtl="0">
+              <a:lnSpc>
+                <a:spcPct val="100000"/>
+              </a:lnSpc>
+              <a:spcBef>
+                <a:spcPts val="0"/>
+              </a:spcBef>
+              <a:spcAft>
+                <a:spcPts val="0"/>
+              </a:spcAft>
+              <a:buClr>
+                <a:schemeClr val="dk1"/>
+              </a:buClr>
+              <a:buSzPts val="3000"/>
+              <a:buFont typeface="Quicksand"/>
+              <a:buNone/>
+              <a:defRPr sz="3000" b="1" i="0" u="none" strike="noStrike" cap="none">
+                <a:solidFill>
+                  <a:schemeClr val="dk1"/>
+                </a:solidFill>
+                <a:latin typeface="Quicksand"/>
+                <a:ea typeface="Quicksand"/>
+                <a:cs typeface="Quicksand"/>
+                <a:sym typeface="Quicksand"/>
+              </a:defRPr>
+            </a:lvl8pPr>
+            <a:lvl9pPr marR="0" lvl="8" algn="l" rtl="0">
+              <a:lnSpc>
+                <a:spcPct val="100000"/>
+              </a:lnSpc>
+              <a:spcBef>
+                <a:spcPts val="0"/>
+              </a:spcBef>
+              <a:spcAft>
+                <a:spcPts val="0"/>
+              </a:spcAft>
+              <a:buClr>
+                <a:schemeClr val="dk1"/>
+              </a:buClr>
+              <a:buSzPts val="3000"/>
+              <a:buFont typeface="Quicksand"/>
+              <a:buNone/>
+              <a:defRPr sz="3000" b="1" i="0" u="none" strike="noStrike" cap="none">
+                <a:solidFill>
+                  <a:schemeClr val="dk1"/>
+                </a:solidFill>
+                <a:latin typeface="Quicksand"/>
+                <a:ea typeface="Quicksand"/>
+                <a:cs typeface="Quicksand"/>
+                <a:sym typeface="Quicksand"/>
+              </a:defRPr>
+            </a:lvl9pPr>
+          </a:lstStyle>
+          <a:p>
+            <a:r>
+              <a:rPr lang="en-US" altLang="ko-KR" sz="2000" b="0" dirty="0">
+                <a:solidFill>
+                  <a:schemeClr val="tx2">
+                    <a:lumMod val="10000"/>
+                  </a:schemeClr>
+                </a:solidFill>
+                <a:latin typeface="Noto Sans" panose="020B0502040504020204" pitchFamily="34" charset="0"/>
+                <a:ea typeface="Noto Sans" panose="020B0502040504020204" pitchFamily="34" charset="0"/>
+              </a:rPr>
+              <a:t>1. </a:t>
+            </a:r>
+            <a:r>
+              <a:rPr lang="en-US" altLang="ko-KR" sz="2000" dirty="0">
+                <a:solidFill>
+                  <a:schemeClr val="tx2">
+                    <a:lumMod val="10000"/>
+                  </a:schemeClr>
+                </a:solidFill>
+                <a:latin typeface="Noto Sans" panose="020B0502040504020204" pitchFamily="34" charset="0"/>
+                <a:ea typeface="Noto Sans" panose="020B0502040504020204" pitchFamily="34" charset="0"/>
+              </a:rPr>
+              <a:t>BERT</a:t>
+            </a:r>
+            <a:br>
+              <a:rPr lang="en-US" altLang="ko-KR" sz="2000" b="0" dirty="0">
+                <a:solidFill>
+                  <a:schemeClr val="tx2">
+                    <a:lumMod val="10000"/>
+                  </a:schemeClr>
+                </a:solidFill>
+                <a:latin typeface="Noto Sans" panose="020B0502040504020204" pitchFamily="34" charset="0"/>
+                <a:ea typeface="Noto Sans" panose="020B0502040504020204" pitchFamily="34" charset="0"/>
+              </a:rPr>
+            </a:br>
+            <a:r>
+              <a:rPr lang="en-US" altLang="ko-KR" sz="2000" b="0" dirty="0">
+                <a:solidFill>
+                  <a:schemeClr val="tx2">
+                    <a:lumMod val="10000"/>
+                  </a:schemeClr>
+                </a:solidFill>
+                <a:latin typeface="Noto Sans" panose="020B0502040504020204" pitchFamily="34" charset="0"/>
+                <a:ea typeface="Noto Sans" panose="020B0502040504020204" pitchFamily="34" charset="0"/>
+              </a:rPr>
+              <a:t>2. </a:t>
+            </a:r>
+            <a:r>
+              <a:rPr lang="en-US" altLang="ko-KR" sz="2000" dirty="0">
+                <a:solidFill>
+                  <a:schemeClr val="tx2">
+                    <a:lumMod val="10000"/>
+                  </a:schemeClr>
+                </a:solidFill>
+                <a:latin typeface="Noto Sans" panose="020B0502040504020204" pitchFamily="34" charset="0"/>
+                <a:ea typeface="Noto Sans" panose="020B0502040504020204" pitchFamily="34" charset="0"/>
+              </a:rPr>
+              <a:t>Experiments</a:t>
+            </a:r>
+            <a:br>
+              <a:rPr lang="en-US" altLang="ko-KR" sz="2000" b="0" dirty="0">
+                <a:solidFill>
+                  <a:schemeClr val="tx2">
+                    <a:lumMod val="10000"/>
+                  </a:schemeClr>
+                </a:solidFill>
+                <a:latin typeface="Noto Sans" panose="020B0502040504020204" pitchFamily="34" charset="0"/>
+                <a:ea typeface="Noto Sans" panose="020B0502040504020204" pitchFamily="34" charset="0"/>
+              </a:rPr>
+            </a:br>
+            <a:r>
+              <a:rPr lang="en-US" altLang="ko-KR" sz="2000" b="0" dirty="0">
+                <a:solidFill>
+                  <a:schemeClr val="tx2">
+                    <a:lumMod val="10000"/>
+                  </a:schemeClr>
+                </a:solidFill>
+                <a:latin typeface="Noto Sans" panose="020B0502040504020204" pitchFamily="34" charset="0"/>
+                <a:ea typeface="Noto Sans" panose="020B0502040504020204" pitchFamily="34" charset="0"/>
+              </a:rPr>
+              <a:t>3. </a:t>
+            </a:r>
+            <a:r>
+              <a:rPr lang="en-US" altLang="ko-KR" sz="2000" dirty="0">
+                <a:solidFill>
+                  <a:schemeClr val="tx2">
+                    <a:lumMod val="10000"/>
+                  </a:schemeClr>
+                </a:solidFill>
+                <a:latin typeface="Noto Sans" panose="020B0502040504020204" pitchFamily="34" charset="0"/>
+                <a:ea typeface="Noto Sans" panose="020B0502040504020204" pitchFamily="34" charset="0"/>
+              </a:rPr>
+              <a:t>conclusion</a:t>
+            </a:r>
+          </a:p>
+          <a:p>
+            <a:endParaRPr lang="ko-KR" altLang="en-US" sz="2000" dirty="0">
+              <a:solidFill>
+                <a:schemeClr val="tx2">
+                  <a:lumMod val="10000"/>
+                </a:schemeClr>
+              </a:solidFill>
+              <a:latin typeface="Noto Sans" panose="020B0502040504020204" pitchFamily="34" charset="0"/>
+              <a:ea typeface="Noto Sans" panose="020B0502040504020204" pitchFamily="34" charset="0"/>
+            </a:endParaRPr>
+          </a:p>
+        </p:txBody>
+      </p:sp>
+      <p:sp>
+        <p:nvSpPr>
+          <p:cNvPr id="5" name="Google Shape;285;p29">
+            <a:extLst>
+              <a:ext uri="{FF2B5EF4-FFF2-40B4-BE49-F238E27FC236}">
+                <a16:creationId xmlns:a16="http://schemas.microsoft.com/office/drawing/2014/main" id="{DA5BC1DC-5537-1DF6-541B-FC4ECFA79348}"/>
+              </a:ext>
+            </a:extLst>
+          </p:cNvPr>
+          <p:cNvSpPr txBox="1">
+            <a:spLocks/>
+          </p:cNvSpPr>
+          <p:nvPr/>
+        </p:nvSpPr>
+        <p:spPr>
+          <a:xfrm>
+            <a:off x="291386" y="485820"/>
+            <a:ext cx="1479143" cy="401685"/>
+          </a:xfrm>
+          <a:prstGeom prst="rect">
+            <a:avLst/>
+          </a:prstGeom>
+          <a:noFill/>
+          <a:ln>
+            <a:noFill/>
+          </a:ln>
+        </p:spPr>
+        <p:txBody>
+          <a:bodyPr spcFirstLastPara="1" wrap="square" lIns="91425" tIns="91425" rIns="91425" bIns="91425" anchor="ctr" anchorCtr="0">
+            <a:noAutofit/>
+          </a:bodyPr>
+          <a:lstStyle>
+            <a:defPPr marR="0" lvl="0" algn="l" rtl="0">
+              <a:lnSpc>
+                <a:spcPct val="100000"/>
+              </a:lnSpc>
+              <a:spcBef>
+                <a:spcPts val="0"/>
+              </a:spcBef>
+              <a:spcAft>
+                <a:spcPts val="0"/>
+              </a:spcAft>
+            </a:defPPr>
+            <a:lvl1pPr marR="0" lvl="0" algn="l" rtl="0">
+              <a:lnSpc>
+                <a:spcPct val="100000"/>
+              </a:lnSpc>
+              <a:spcBef>
+                <a:spcPts val="0"/>
+              </a:spcBef>
+              <a:spcAft>
+                <a:spcPts val="0"/>
+              </a:spcAft>
+              <a:buClr>
+                <a:schemeClr val="dk1"/>
+              </a:buClr>
+              <a:buSzPts val="3000"/>
+              <a:buFont typeface="Quicksand"/>
+              <a:buNone/>
+              <a:defRPr sz="3000" b="1" i="0" u="none" strike="noStrike" cap="none">
+                <a:solidFill>
+                  <a:schemeClr val="dk1"/>
+                </a:solidFill>
+                <a:latin typeface="Quicksand"/>
+                <a:ea typeface="Quicksand"/>
+                <a:cs typeface="Quicksand"/>
+                <a:sym typeface="Quicksand"/>
+              </a:defRPr>
+            </a:lvl1pPr>
+            <a:lvl2pPr marR="0" lvl="1" algn="l" rtl="0">
+              <a:lnSpc>
+                <a:spcPct val="100000"/>
+              </a:lnSpc>
+              <a:spcBef>
+                <a:spcPts val="0"/>
+              </a:spcBef>
+              <a:spcAft>
+                <a:spcPts val="0"/>
+              </a:spcAft>
+              <a:buClr>
+                <a:schemeClr val="dk1"/>
+              </a:buClr>
+              <a:buSzPts val="3000"/>
+              <a:buFont typeface="Quicksand"/>
+              <a:buNone/>
+              <a:defRPr sz="3000" b="1" i="0" u="none" strike="noStrike" cap="none">
+                <a:solidFill>
+                  <a:schemeClr val="dk1"/>
+                </a:solidFill>
+                <a:latin typeface="Quicksand"/>
+                <a:ea typeface="Quicksand"/>
+                <a:cs typeface="Quicksand"/>
+                <a:sym typeface="Quicksand"/>
+              </a:defRPr>
+            </a:lvl2pPr>
+            <a:lvl3pPr marR="0" lvl="2" algn="l" rtl="0">
+              <a:lnSpc>
+                <a:spcPct val="100000"/>
+              </a:lnSpc>
+              <a:spcBef>
+                <a:spcPts val="0"/>
+              </a:spcBef>
+              <a:spcAft>
+                <a:spcPts val="0"/>
+              </a:spcAft>
+              <a:buClr>
+                <a:schemeClr val="dk1"/>
+              </a:buClr>
+              <a:buSzPts val="3000"/>
+              <a:buFont typeface="Quicksand"/>
+              <a:buNone/>
+              <a:defRPr sz="3000" b="1" i="0" u="none" strike="noStrike" cap="none">
+                <a:solidFill>
+                  <a:schemeClr val="dk1"/>
+                </a:solidFill>
+                <a:latin typeface="Quicksand"/>
+                <a:ea typeface="Quicksand"/>
+                <a:cs typeface="Quicksand"/>
+                <a:sym typeface="Quicksand"/>
+              </a:defRPr>
+            </a:lvl3pPr>
+            <a:lvl4pPr marR="0" lvl="3" algn="l" rtl="0">
+              <a:lnSpc>
+                <a:spcPct val="100000"/>
+              </a:lnSpc>
+              <a:spcBef>
+                <a:spcPts val="0"/>
+              </a:spcBef>
+              <a:spcAft>
+                <a:spcPts val="0"/>
+              </a:spcAft>
+              <a:buClr>
+                <a:schemeClr val="dk1"/>
+              </a:buClr>
+              <a:buSzPts val="3000"/>
+              <a:buFont typeface="Quicksand"/>
+              <a:buNone/>
+              <a:defRPr sz="3000" b="1" i="0" u="none" strike="noStrike" cap="none">
+                <a:solidFill>
+                  <a:schemeClr val="dk1"/>
+                </a:solidFill>
+                <a:latin typeface="Quicksand"/>
+                <a:ea typeface="Quicksand"/>
+                <a:cs typeface="Quicksand"/>
+                <a:sym typeface="Quicksand"/>
+              </a:defRPr>
+            </a:lvl4pPr>
+            <a:lvl5pPr marR="0" lvl="4" algn="l" rtl="0">
+              <a:lnSpc>
+                <a:spcPct val="100000"/>
+              </a:lnSpc>
+              <a:spcBef>
+                <a:spcPts val="0"/>
+              </a:spcBef>
+              <a:spcAft>
+                <a:spcPts val="0"/>
+              </a:spcAft>
+              <a:buClr>
+                <a:schemeClr val="dk1"/>
+              </a:buClr>
+              <a:buSzPts val="3000"/>
+              <a:buFont typeface="Quicksand"/>
+              <a:buNone/>
+              <a:defRPr sz="3000" b="1" i="0" u="none" strike="noStrike" cap="none">
+                <a:solidFill>
+                  <a:schemeClr val="dk1"/>
+                </a:solidFill>
+                <a:latin typeface="Quicksand"/>
+                <a:ea typeface="Quicksand"/>
+                <a:cs typeface="Quicksand"/>
+                <a:sym typeface="Quicksand"/>
+              </a:defRPr>
+            </a:lvl5pPr>
+            <a:lvl6pPr marR="0" lvl="5" algn="l" rtl="0">
+              <a:lnSpc>
+                <a:spcPct val="100000"/>
+              </a:lnSpc>
+              <a:spcBef>
+                <a:spcPts val="0"/>
+              </a:spcBef>
+              <a:spcAft>
+                <a:spcPts val="0"/>
+              </a:spcAft>
+              <a:buClr>
+                <a:schemeClr val="dk1"/>
+              </a:buClr>
+              <a:buSzPts val="3000"/>
+              <a:buFont typeface="Quicksand"/>
+              <a:buNone/>
+              <a:defRPr sz="3000" b="1" i="0" u="none" strike="noStrike" cap="none">
+                <a:solidFill>
+                  <a:schemeClr val="dk1"/>
+                </a:solidFill>
+                <a:latin typeface="Quicksand"/>
+                <a:ea typeface="Quicksand"/>
+                <a:cs typeface="Quicksand"/>
+                <a:sym typeface="Quicksand"/>
+              </a:defRPr>
+            </a:lvl6pPr>
+            <a:lvl7pPr marR="0" lvl="6" algn="l" rtl="0">
+              <a:lnSpc>
+                <a:spcPct val="100000"/>
+              </a:lnSpc>
+              <a:spcBef>
+                <a:spcPts val="0"/>
+              </a:spcBef>
+              <a:spcAft>
+                <a:spcPts val="0"/>
+              </a:spcAft>
+              <a:buClr>
+                <a:schemeClr val="dk1"/>
+              </a:buClr>
+              <a:buSzPts val="3000"/>
+              <a:buFont typeface="Quicksand"/>
+              <a:buNone/>
+              <a:defRPr sz="3000" b="1" i="0" u="none" strike="noStrike" cap="none">
+                <a:solidFill>
+                  <a:schemeClr val="dk1"/>
+                </a:solidFill>
+                <a:latin typeface="Quicksand"/>
+                <a:ea typeface="Quicksand"/>
+                <a:cs typeface="Quicksand"/>
+                <a:sym typeface="Quicksand"/>
+              </a:defRPr>
+            </a:lvl7pPr>
+            <a:lvl8pPr marR="0" lvl="7" algn="l" rtl="0">
+              <a:lnSpc>
+                <a:spcPct val="100000"/>
+              </a:lnSpc>
+              <a:spcBef>
+                <a:spcPts val="0"/>
+              </a:spcBef>
+              <a:spcAft>
+                <a:spcPts val="0"/>
+              </a:spcAft>
+              <a:buClr>
+                <a:schemeClr val="dk1"/>
+              </a:buClr>
+              <a:buSzPts val="3000"/>
+              <a:buFont typeface="Quicksand"/>
+              <a:buNone/>
+              <a:defRPr sz="3000" b="1" i="0" u="none" strike="noStrike" cap="none">
+                <a:solidFill>
+                  <a:schemeClr val="dk1"/>
+                </a:solidFill>
+                <a:latin typeface="Quicksand"/>
+                <a:ea typeface="Quicksand"/>
+                <a:cs typeface="Quicksand"/>
+                <a:sym typeface="Quicksand"/>
+              </a:defRPr>
+            </a:lvl8pPr>
+            <a:lvl9pPr marR="0" lvl="8" algn="l" rtl="0">
+              <a:lnSpc>
+                <a:spcPct val="100000"/>
+              </a:lnSpc>
+              <a:spcBef>
+                <a:spcPts val="0"/>
+              </a:spcBef>
+              <a:spcAft>
+                <a:spcPts val="0"/>
+              </a:spcAft>
+              <a:buClr>
+                <a:schemeClr val="dk1"/>
+              </a:buClr>
+              <a:buSzPts val="3000"/>
+              <a:buFont typeface="Quicksand"/>
+              <a:buNone/>
+              <a:defRPr sz="3000" b="1" i="0" u="none" strike="noStrike" cap="none">
+                <a:solidFill>
+                  <a:schemeClr val="dk1"/>
+                </a:solidFill>
+                <a:latin typeface="Quicksand"/>
+                <a:ea typeface="Quicksand"/>
+                <a:cs typeface="Quicksand"/>
+                <a:sym typeface="Quicksand"/>
+              </a:defRPr>
+            </a:lvl9pPr>
+          </a:lstStyle>
+          <a:p>
+            <a:r>
+              <a:rPr lang="en-US" altLang="ko-KR" sz="2000" dirty="0">
+                <a:solidFill>
+                  <a:schemeClr val="dk2"/>
+                </a:solidFill>
+                <a:latin typeface="Noto Sans" panose="020B0502040504020204" pitchFamily="34" charset="0"/>
+                <a:ea typeface="Noto Sans" panose="020B0502040504020204" pitchFamily="34" charset="0"/>
+              </a:rPr>
+              <a:t>Contents</a:t>
+            </a:r>
+            <a:endParaRPr lang="ko-KR" altLang="en-US" sz="2000" dirty="0">
+              <a:solidFill>
+                <a:schemeClr val="dk2"/>
+              </a:solidFill>
+              <a:latin typeface="Noto Sans" panose="020B0502040504020204" pitchFamily="34" charset="0"/>
+              <a:ea typeface="Noto Sans" panose="020B0502040504020204" pitchFamily="34" charset="0"/>
+            </a:endParaRPr>
+          </a:p>
+        </p:txBody>
+      </p:sp>
+      <p:sp>
+        <p:nvSpPr>
+          <p:cNvPr id="6" name="TextBox 5">
+            <a:extLst>
+              <a:ext uri="{FF2B5EF4-FFF2-40B4-BE49-F238E27FC236}">
+                <a16:creationId xmlns:a16="http://schemas.microsoft.com/office/drawing/2014/main" id="{E82D0BD0-1BCD-4DDB-6FB1-4246A7A41059}"/>
+              </a:ext>
+            </a:extLst>
+          </p:cNvPr>
+          <p:cNvSpPr txBox="1"/>
+          <p:nvPr/>
+        </p:nvSpPr>
+        <p:spPr>
+          <a:xfrm>
+            <a:off x="4108076" y="2837329"/>
+            <a:ext cx="1826141" cy="954107"/>
+          </a:xfrm>
+          <a:prstGeom prst="rect">
+            <a:avLst/>
+          </a:prstGeom>
+          <a:noFill/>
+        </p:spPr>
+        <p:txBody>
+          <a:bodyPr wrap="none" rtlCol="0">
+            <a:spAutoFit/>
+          </a:bodyPr>
+          <a:lstStyle/>
+          <a:p>
+            <a:r>
+              <a:rPr lang="en-US" altLang="ko-KR" dirty="0" err="1"/>
+              <a:t>Kobert</a:t>
+            </a:r>
+            <a:r>
+              <a:rPr lang="en-US" altLang="ko-KR" dirty="0"/>
+              <a:t> </a:t>
+            </a:r>
+          </a:p>
+          <a:p>
+            <a:r>
+              <a:rPr lang="en-US" altLang="ko-KR" dirty="0" err="1"/>
+              <a:t>Huggingface</a:t>
+            </a:r>
+            <a:r>
+              <a:rPr lang="en-US" altLang="ko-KR" dirty="0"/>
+              <a:t> dataset</a:t>
+            </a:r>
+          </a:p>
+          <a:p>
+            <a:r>
+              <a:rPr lang="en-US" altLang="ko-KR" dirty="0" err="1"/>
+              <a:t>Wandb</a:t>
+            </a:r>
+            <a:r>
+              <a:rPr lang="en-US" altLang="ko-KR" dirty="0"/>
+              <a:t> </a:t>
+            </a:r>
+          </a:p>
+          <a:p>
+            <a:r>
+              <a:rPr lang="en-US" altLang="ko-KR" dirty="0" err="1"/>
+              <a:t>colab</a:t>
+            </a:r>
+            <a:endParaRPr lang="ko-KR" altLang="en-US" dirty="0"/>
+          </a:p>
+        </p:txBody>
+      </p:sp>
     </p:spTree>
   </p:cSld>
   <p:clrMapOvr>
@@ -7044,7 +7853,7 @@
         </p:nvSpPr>
         <p:spPr>
           <a:xfrm>
-            <a:off x="4297650" y="4602875"/>
+            <a:off x="4297650" y="4623045"/>
             <a:ext cx="548700" cy="333600"/>
           </a:xfrm>
           <a:prstGeom prst="rect">

--- a/PPT/DSLab_이승건_BERT멘토링발표.pptx
+++ b/PPT/DSLab_이승건_BERT멘토링발표.pptx
@@ -9661,6 +9661,7 @@
                 </a:solidFill>
                 <a:latin typeface="Noto Sans" panose="020B0502040504020204" pitchFamily="34" charset="0"/>
                 <a:ea typeface="Noto Sans" panose="020B0502040504020204" pitchFamily="34" charset="0"/>
+                <a:cs typeface="Noto Sans" panose="020B0502040504020204" pitchFamily="34" charset="0"/>
               </a:rPr>
               <a:t>2. Experiments - Dataset</a:t>
             </a:r>
@@ -9670,6 +9671,7 @@
               </a:solidFill>
               <a:latin typeface="Noto Sans" panose="020B0502040504020204" pitchFamily="34" charset="0"/>
               <a:ea typeface="Noto Sans" panose="020B0502040504020204" pitchFamily="34" charset="0"/>
+              <a:cs typeface="Noto Sans" panose="020B0502040504020204" pitchFamily="34" charset="0"/>
             </a:endParaRPr>
           </a:p>
         </p:txBody>
@@ -9732,6 +9734,9 @@
                 <a:solidFill>
                   <a:schemeClr val="tx1"/>
                 </a:solidFill>
+                <a:latin typeface="Noto Sans" panose="020B0502040504020204" pitchFamily="34" charset="0"/>
+                <a:ea typeface="Noto Sans" panose="020B0502040504020204" pitchFamily="34" charset="0"/>
+                <a:cs typeface="Noto Sans" panose="020B0502040504020204" pitchFamily="34" charset="0"/>
               </a:rPr>
               <a:t>Dataset</a:t>
             </a:r>
@@ -9739,6 +9744,8 @@
               <a:solidFill>
                 <a:schemeClr val="tx1"/>
               </a:solidFill>
+              <a:latin typeface="Noto Sans" panose="020B0502040504020204" pitchFamily="34" charset="0"/>
+              <a:cs typeface="Noto Sans" panose="020B0502040504020204" pitchFamily="34" charset="0"/>
             </a:endParaRPr>
           </a:p>
         </p:txBody>
@@ -9799,6 +9806,9 @@
                 <a:solidFill>
                   <a:schemeClr val="tx1"/>
                 </a:solidFill>
+                <a:latin typeface="Noto Sans" panose="020B0502040504020204" pitchFamily="34" charset="0"/>
+                <a:ea typeface="Noto Sans" panose="020B0502040504020204" pitchFamily="34" charset="0"/>
+                <a:cs typeface="Noto Sans" panose="020B0502040504020204" pitchFamily="34" charset="0"/>
               </a:rPr>
               <a:t>Preprocessing</a:t>
             </a:r>
@@ -9806,6 +9816,8 @@
               <a:solidFill>
                 <a:schemeClr val="tx1"/>
               </a:solidFill>
+              <a:latin typeface="Noto Sans" panose="020B0502040504020204" pitchFamily="34" charset="0"/>
+              <a:cs typeface="Noto Sans" panose="020B0502040504020204" pitchFamily="34" charset="0"/>
             </a:endParaRPr>
           </a:p>
         </p:txBody>
@@ -9866,6 +9878,9 @@
                 <a:solidFill>
                   <a:schemeClr val="tx1"/>
                 </a:solidFill>
+                <a:latin typeface="Noto Sans" panose="020B0502040504020204" pitchFamily="34" charset="0"/>
+                <a:ea typeface="Noto Sans" panose="020B0502040504020204" pitchFamily="34" charset="0"/>
+                <a:cs typeface="Noto Sans" panose="020B0502040504020204" pitchFamily="34" charset="0"/>
               </a:rPr>
               <a:t>Preprocessing</a:t>
             </a:r>
@@ -9873,6 +9888,8 @@
               <a:solidFill>
                 <a:schemeClr val="tx1"/>
               </a:solidFill>
+              <a:latin typeface="Noto Sans" panose="020B0502040504020204" pitchFamily="34" charset="0"/>
+              <a:cs typeface="Noto Sans" panose="020B0502040504020204" pitchFamily="34" charset="0"/>
             </a:endParaRPr>
           </a:p>
           <a:p>
@@ -9882,6 +9899,9 @@
                 <a:solidFill>
                   <a:schemeClr val="tx1"/>
                 </a:solidFill>
+                <a:latin typeface="Noto Sans" panose="020B0502040504020204" pitchFamily="34" charset="0"/>
+                <a:ea typeface="Noto Sans" panose="020B0502040504020204" pitchFamily="34" charset="0"/>
+                <a:cs typeface="Noto Sans" panose="020B0502040504020204" pitchFamily="34" charset="0"/>
               </a:rPr>
               <a:t>Dataset</a:t>
             </a:r>
@@ -9889,6 +9909,8 @@
               <a:solidFill>
                 <a:schemeClr val="tx1"/>
               </a:solidFill>
+              <a:latin typeface="Noto Sans" panose="020B0502040504020204" pitchFamily="34" charset="0"/>
+              <a:cs typeface="Noto Sans" panose="020B0502040504020204" pitchFamily="34" charset="0"/>
             </a:endParaRPr>
           </a:p>
         </p:txBody>
@@ -9949,6 +9971,9 @@
                 <a:solidFill>
                   <a:schemeClr val="tx1"/>
                 </a:solidFill>
+                <a:latin typeface="Noto Sans" panose="020B0502040504020204" pitchFamily="34" charset="0"/>
+                <a:ea typeface="Noto Sans" panose="020B0502040504020204" pitchFamily="34" charset="0"/>
+                <a:cs typeface="Noto Sans" panose="020B0502040504020204" pitchFamily="34" charset="0"/>
               </a:rPr>
               <a:t>Embedding</a:t>
             </a:r>
@@ -9956,6 +9981,8 @@
               <a:solidFill>
                 <a:schemeClr val="tx1"/>
               </a:solidFill>
+              <a:latin typeface="Noto Sans" panose="020B0502040504020204" pitchFamily="34" charset="0"/>
+              <a:cs typeface="Noto Sans" panose="020B0502040504020204" pitchFamily="34" charset="0"/>
             </a:endParaRPr>
           </a:p>
         </p:txBody>
@@ -10016,6 +10043,9 @@
                 <a:solidFill>
                   <a:schemeClr val="tx1"/>
                 </a:solidFill>
+                <a:latin typeface="Noto Sans" panose="020B0502040504020204" pitchFamily="34" charset="0"/>
+                <a:ea typeface="Noto Sans" panose="020B0502040504020204" pitchFamily="34" charset="0"/>
+                <a:cs typeface="Noto Sans" panose="020B0502040504020204" pitchFamily="34" charset="0"/>
               </a:rPr>
               <a:t>Embedded Vector</a:t>
             </a:r>
@@ -10023,6 +10053,8 @@
               <a:solidFill>
                 <a:schemeClr val="tx1"/>
               </a:solidFill>
+              <a:latin typeface="Noto Sans" panose="020B0502040504020204" pitchFamily="34" charset="0"/>
+              <a:cs typeface="Noto Sans" panose="020B0502040504020204" pitchFamily="34" charset="0"/>
             </a:endParaRPr>
           </a:p>
         </p:txBody>
@@ -10083,6 +10115,9 @@
                 <a:solidFill>
                   <a:schemeClr val="tx1"/>
                 </a:solidFill>
+                <a:latin typeface="Noto Sans" panose="020B0502040504020204" pitchFamily="34" charset="0"/>
+                <a:ea typeface="Noto Sans" panose="020B0502040504020204" pitchFamily="34" charset="0"/>
+                <a:cs typeface="Noto Sans" panose="020B0502040504020204" pitchFamily="34" charset="0"/>
               </a:rPr>
               <a:t>Train</a:t>
             </a:r>
@@ -10090,6 +10125,8 @@
               <a:solidFill>
                 <a:schemeClr val="tx1"/>
               </a:solidFill>
+              <a:latin typeface="Noto Sans" panose="020B0502040504020204" pitchFamily="34" charset="0"/>
+              <a:cs typeface="Noto Sans" panose="020B0502040504020204" pitchFamily="34" charset="0"/>
             </a:endParaRPr>
           </a:p>
         </p:txBody>
@@ -10147,6 +10184,9 @@
                 <a:solidFill>
                   <a:schemeClr val="tx1"/>
                 </a:solidFill>
+                <a:latin typeface="Noto Sans" panose="020B0502040504020204" pitchFamily="34" charset="0"/>
+                <a:ea typeface="Noto Sans" panose="020B0502040504020204" pitchFamily="34" charset="0"/>
+                <a:cs typeface="Noto Sans" panose="020B0502040504020204" pitchFamily="34" charset="0"/>
               </a:rPr>
               <a:t>KoBERT</a:t>
             </a:r>
@@ -10155,10 +10195,16 @@
                 <a:solidFill>
                   <a:schemeClr val="tx1"/>
                 </a:solidFill>
+                <a:latin typeface="Noto Sans" panose="020B0502040504020204" pitchFamily="34" charset="0"/>
+                <a:ea typeface="Noto Sans" panose="020B0502040504020204" pitchFamily="34" charset="0"/>
+                <a:cs typeface="Noto Sans" panose="020B0502040504020204" pitchFamily="34" charset="0"/>
               </a:rPr>
               <a:t> Classifier</a:t>
             </a:r>
-            <a:endParaRPr lang="ko-KR" altLang="en-US" sz="500" dirty="0"/>
+            <a:endParaRPr lang="ko-KR" altLang="en-US" sz="500" dirty="0">
+              <a:latin typeface="Noto Sans" panose="020B0502040504020204" pitchFamily="34" charset="0"/>
+              <a:cs typeface="Noto Sans" panose="020B0502040504020204" pitchFamily="34" charset="0"/>
+            </a:endParaRPr>
           </a:p>
         </p:txBody>
       </p:sp>
@@ -10215,10 +10261,16 @@
                 <a:solidFill>
                   <a:schemeClr val="tx1"/>
                 </a:solidFill>
+                <a:latin typeface="Noto Sans" panose="020B0502040504020204" pitchFamily="34" charset="0"/>
+                <a:ea typeface="Noto Sans" panose="020B0502040504020204" pitchFamily="34" charset="0"/>
+                <a:cs typeface="Noto Sans" panose="020B0502040504020204" pitchFamily="34" charset="0"/>
               </a:rPr>
               <a:t>KoBERT</a:t>
             </a:r>
-            <a:endParaRPr lang="ko-KR" altLang="en-US" sz="500" dirty="0"/>
+            <a:endParaRPr lang="ko-KR" altLang="en-US" sz="500" dirty="0">
+              <a:latin typeface="Noto Sans" panose="020B0502040504020204" pitchFamily="34" charset="0"/>
+              <a:cs typeface="Noto Sans" panose="020B0502040504020204" pitchFamily="34" charset="0"/>
+            </a:endParaRPr>
           </a:p>
         </p:txBody>
       </p:sp>
@@ -10275,10 +10327,16 @@
                 <a:solidFill>
                   <a:schemeClr val="tx1"/>
                 </a:solidFill>
+                <a:latin typeface="Noto Sans" panose="020B0502040504020204" pitchFamily="34" charset="0"/>
+                <a:ea typeface="Noto Sans" panose="020B0502040504020204" pitchFamily="34" charset="0"/>
+                <a:cs typeface="Noto Sans" panose="020B0502040504020204" pitchFamily="34" charset="0"/>
               </a:rPr>
               <a:t>Accuracy</a:t>
             </a:r>
-            <a:endParaRPr lang="ko-KR" altLang="en-US" sz="500" dirty="0"/>
+            <a:endParaRPr lang="ko-KR" altLang="en-US" sz="500" dirty="0">
+              <a:latin typeface="Noto Sans" panose="020B0502040504020204" pitchFamily="34" charset="0"/>
+              <a:cs typeface="Noto Sans" panose="020B0502040504020204" pitchFamily="34" charset="0"/>
+            </a:endParaRPr>
           </a:p>
         </p:txBody>
       </p:sp>
@@ -10909,6 +10967,7 @@
                 </a:solidFill>
                 <a:latin typeface="Noto Sans" panose="020B0502040504020204" pitchFamily="34" charset="0"/>
                 <a:ea typeface="Noto Sans" panose="020B0502040504020204" pitchFamily="34" charset="0"/>
+                <a:cs typeface="Noto Sans" panose="020B0502040504020204" pitchFamily="34" charset="0"/>
               </a:rPr>
               <a:t>Dataset, ML </a:t>
             </a:r>
@@ -10921,6 +10980,7 @@
                 </a:solidFill>
                 <a:latin typeface="Noto Sans" panose="020B0502040504020204" pitchFamily="34" charset="0"/>
                 <a:ea typeface="Noto Sans" panose="020B0502040504020204" pitchFamily="34" charset="0"/>
+                <a:cs typeface="Noto Sans" panose="020B0502040504020204" pitchFamily="34" charset="0"/>
               </a:rPr>
               <a:t>모델 개발 및 배포를 하는 오픈소스 중심 </a:t>
             </a:r>
@@ -10933,6 +10993,7 @@
                 </a:solidFill>
                 <a:latin typeface="Noto Sans" panose="020B0502040504020204" pitchFamily="34" charset="0"/>
                 <a:ea typeface="Noto Sans" panose="020B0502040504020204" pitchFamily="34" charset="0"/>
+                <a:cs typeface="Noto Sans" panose="020B0502040504020204" pitchFamily="34" charset="0"/>
               </a:rPr>
               <a:t>AI </a:t>
             </a:r>
@@ -10945,6 +11006,7 @@
                 </a:solidFill>
                 <a:latin typeface="Noto Sans" panose="020B0502040504020204" pitchFamily="34" charset="0"/>
                 <a:ea typeface="Noto Sans" panose="020B0502040504020204" pitchFamily="34" charset="0"/>
+                <a:cs typeface="Noto Sans" panose="020B0502040504020204" pitchFamily="34" charset="0"/>
               </a:rPr>
               <a:t>플랫폼</a:t>
             </a:r>
@@ -10956,6 +11018,7 @@
               </a:solidFill>
               <a:latin typeface="Noto Sans" panose="020B0502040504020204" pitchFamily="34" charset="0"/>
               <a:ea typeface="Noto Sans" panose="020B0502040504020204" pitchFamily="34" charset="0"/>
+              <a:cs typeface="Noto Sans" panose="020B0502040504020204" pitchFamily="34" charset="0"/>
             </a:endParaRPr>
           </a:p>
         </p:txBody>
@@ -11281,6 +11344,7 @@
                 </a:solidFill>
                 <a:latin typeface="Noto Sans" panose="020B0502040504020204" pitchFamily="34" charset="0"/>
                 <a:ea typeface="Noto Sans" panose="020B0502040504020204" pitchFamily="34" charset="0"/>
+                <a:cs typeface="Noto Sans" panose="020B0502040504020204" pitchFamily="34" charset="0"/>
               </a:rPr>
               <a:t>KLUE-YNAT Dataset</a:t>
             </a:r>
@@ -11300,6 +11364,7 @@
                 </a:solidFill>
                 <a:latin typeface="Noto Sans" panose="020B0502040504020204" pitchFamily="34" charset="0"/>
                 <a:ea typeface="Noto Sans" panose="020B0502040504020204" pitchFamily="34" charset="0"/>
+                <a:cs typeface="Noto Sans" panose="020B0502040504020204" pitchFamily="34" charset="0"/>
               </a:rPr>
               <a:t>연합뉴스 기사 제목으로 구성된 데이터셋</a:t>
             </a:r>
@@ -11311,6 +11376,7 @@
               </a:solidFill>
               <a:latin typeface="Noto Sans" panose="020B0502040504020204" pitchFamily="34" charset="0"/>
               <a:ea typeface="Noto Sans" panose="020B0502040504020204" pitchFamily="34" charset="0"/>
+              <a:cs typeface="Noto Sans" panose="020B0502040504020204" pitchFamily="34" charset="0"/>
             </a:endParaRPr>
           </a:p>
           <a:p>
@@ -11328,6 +11394,7 @@
                 </a:solidFill>
                 <a:latin typeface="Noto Sans" panose="020B0502040504020204" pitchFamily="34" charset="0"/>
                 <a:ea typeface="Noto Sans" panose="020B0502040504020204" pitchFamily="34" charset="0"/>
+                <a:cs typeface="Noto Sans" panose="020B0502040504020204" pitchFamily="34" charset="0"/>
               </a:rPr>
               <a:t>45,700</a:t>
             </a:r>
@@ -11340,6 +11407,7 @@
                 </a:solidFill>
                 <a:latin typeface="Noto Sans" panose="020B0502040504020204" pitchFamily="34" charset="0"/>
                 <a:ea typeface="Noto Sans" panose="020B0502040504020204" pitchFamily="34" charset="0"/>
+                <a:cs typeface="Noto Sans" panose="020B0502040504020204" pitchFamily="34" charset="0"/>
               </a:rPr>
               <a:t>여개의 </a:t>
             </a:r>
@@ -11352,6 +11420,7 @@
                 </a:solidFill>
                 <a:latin typeface="Noto Sans" panose="020B0502040504020204" pitchFamily="34" charset="0"/>
                 <a:ea typeface="Noto Sans" panose="020B0502040504020204" pitchFamily="34" charset="0"/>
+                <a:cs typeface="Noto Sans" panose="020B0502040504020204" pitchFamily="34" charset="0"/>
               </a:rPr>
               <a:t>train data, 7</a:t>
             </a:r>
@@ -11364,6 +11433,7 @@
                 </a:solidFill>
                 <a:latin typeface="Noto Sans" panose="020B0502040504020204" pitchFamily="34" charset="0"/>
                 <a:ea typeface="Noto Sans" panose="020B0502040504020204" pitchFamily="34" charset="0"/>
+                <a:cs typeface="Noto Sans" panose="020B0502040504020204" pitchFamily="34" charset="0"/>
               </a:rPr>
               <a:t>개의 </a:t>
             </a:r>
@@ -11376,6 +11446,7 @@
                 </a:solidFill>
                 <a:latin typeface="Noto Sans" panose="020B0502040504020204" pitchFamily="34" charset="0"/>
                 <a:ea typeface="Noto Sans" panose="020B0502040504020204" pitchFamily="34" charset="0"/>
+                <a:cs typeface="Noto Sans" panose="020B0502040504020204" pitchFamily="34" charset="0"/>
               </a:rPr>
               <a:t>class label</a:t>
             </a:r>
@@ -11388,6 +11459,7 @@
                 </a:solidFill>
                 <a:latin typeface="Noto Sans" panose="020B0502040504020204" pitchFamily="34" charset="0"/>
                 <a:ea typeface="Noto Sans" panose="020B0502040504020204" pitchFamily="34" charset="0"/>
+                <a:cs typeface="Noto Sans" panose="020B0502040504020204" pitchFamily="34" charset="0"/>
               </a:rPr>
               <a:t>로 구성</a:t>
             </a:r>
@@ -11399,6 +11471,7 @@
               </a:solidFill>
               <a:latin typeface="Noto Sans" panose="020B0502040504020204" pitchFamily="34" charset="0"/>
               <a:ea typeface="Noto Sans" panose="020B0502040504020204" pitchFamily="34" charset="0"/>
+              <a:cs typeface="Noto Sans" panose="020B0502040504020204" pitchFamily="34" charset="0"/>
             </a:endParaRPr>
           </a:p>
           <a:p>
@@ -11413,6 +11486,7 @@
               </a:solidFill>
               <a:latin typeface="Noto Sans" panose="020B0502040504020204" pitchFamily="34" charset="0"/>
               <a:ea typeface="Noto Sans" panose="020B0502040504020204" pitchFamily="34" charset="0"/>
+              <a:cs typeface="Noto Sans" panose="020B0502040504020204" pitchFamily="34" charset="0"/>
             </a:endParaRPr>
           </a:p>
         </p:txBody>
@@ -11447,6 +11521,589 @@
           </a:prstGeom>
         </p:spPr>
       </p:pic>
+      <p:sp>
+        <p:nvSpPr>
+          <p:cNvPr id="24" name="자유형: 도형 23">
+            <a:extLst>
+              <a:ext uri="{FF2B5EF4-FFF2-40B4-BE49-F238E27FC236}">
+                <a16:creationId xmlns:a16="http://schemas.microsoft.com/office/drawing/2014/main" id="{6D3494E5-2246-4092-A512-DAFF715367CB}"/>
+              </a:ext>
+            </a:extLst>
+          </p:cNvPr>
+          <p:cNvSpPr/>
+          <p:nvPr/>
+        </p:nvSpPr>
+        <p:spPr>
+          <a:xfrm>
+            <a:off x="2022458" y="2843040"/>
+            <a:ext cx="666020" cy="764160"/>
+          </a:xfrm>
+          <a:custGeom>
+            <a:avLst/>
+            <a:gdLst>
+              <a:gd name="connsiteX0" fmla="*/ 641542 w 666020"/>
+              <a:gd name="connsiteY0" fmla="*/ 22560 h 764160"/>
+              <a:gd name="connsiteX1" fmla="*/ 591142 w 666020"/>
+              <a:gd name="connsiteY1" fmla="*/ 36960 h 764160"/>
+              <a:gd name="connsiteX2" fmla="*/ 15142 w 666020"/>
+              <a:gd name="connsiteY2" fmla="*/ 368160 h 764160"/>
+              <a:gd name="connsiteX3" fmla="*/ 173542 w 666020"/>
+              <a:gd name="connsiteY3" fmla="*/ 764160 h 764160"/>
+            </a:gdLst>
+            <a:ahLst/>
+            <a:cxnLst>
+              <a:cxn ang="0">
+                <a:pos x="connsiteX0" y="connsiteY0"/>
+              </a:cxn>
+              <a:cxn ang="0">
+                <a:pos x="connsiteX1" y="connsiteY1"/>
+              </a:cxn>
+              <a:cxn ang="0">
+                <a:pos x="connsiteX2" y="connsiteY2"/>
+              </a:cxn>
+              <a:cxn ang="0">
+                <a:pos x="connsiteX3" y="connsiteY3"/>
+              </a:cxn>
+            </a:cxnLst>
+            <a:rect l="l" t="t" r="r" b="b"/>
+            <a:pathLst>
+              <a:path w="666020" h="764160">
+                <a:moveTo>
+                  <a:pt x="641542" y="22560"/>
+                </a:moveTo>
+                <a:cubicBezTo>
+                  <a:pt x="668542" y="960"/>
+                  <a:pt x="695542" y="-20640"/>
+                  <a:pt x="591142" y="36960"/>
+                </a:cubicBezTo>
+                <a:cubicBezTo>
+                  <a:pt x="486742" y="94560"/>
+                  <a:pt x="84742" y="246960"/>
+                  <a:pt x="15142" y="368160"/>
+                </a:cubicBezTo>
+                <a:cubicBezTo>
+                  <a:pt x="-54458" y="489360"/>
+                  <a:pt x="136342" y="693360"/>
+                  <a:pt x="173542" y="764160"/>
+                </a:cubicBezTo>
+              </a:path>
+            </a:pathLst>
+          </a:custGeom>
+          <a:noFill/>
+        </p:spPr>
+        <p:style>
+          <a:lnRef idx="2">
+            <a:schemeClr val="accent1">
+              <a:shade val="50000"/>
+            </a:schemeClr>
+          </a:lnRef>
+          <a:fillRef idx="1">
+            <a:schemeClr val="accent1"/>
+          </a:fillRef>
+          <a:effectRef idx="0">
+            <a:schemeClr val="accent1"/>
+          </a:effectRef>
+          <a:fontRef idx="minor">
+            <a:schemeClr val="lt1"/>
+          </a:fontRef>
+        </p:style>
+        <p:txBody>
+          <a:bodyPr rtlCol="0" anchor="ctr"/>
+          <a:lstStyle/>
+          <a:p>
+            <a:pPr algn="ctr"/>
+            <a:endParaRPr lang="ko-KR" altLang="en-US">
+              <a:latin typeface="Noto Sans" panose="020B0502040504020204" pitchFamily="34" charset="0"/>
+              <a:cs typeface="Noto Sans" panose="020B0502040504020204" pitchFamily="34" charset="0"/>
+            </a:endParaRPr>
+          </a:p>
+        </p:txBody>
+      </p:sp>
+      <p:sp>
+        <p:nvSpPr>
+          <p:cNvPr id="31" name="Google Shape;285;p29">
+            <a:extLst>
+              <a:ext uri="{FF2B5EF4-FFF2-40B4-BE49-F238E27FC236}">
+                <a16:creationId xmlns:a16="http://schemas.microsoft.com/office/drawing/2014/main" id="{F68C8B8A-0DD5-47DC-A33E-C29B4F687EB6}"/>
+              </a:ext>
+            </a:extLst>
+          </p:cNvPr>
+          <p:cNvSpPr txBox="1">
+            <a:spLocks/>
+          </p:cNvSpPr>
+          <p:nvPr/>
+        </p:nvSpPr>
+        <p:spPr>
+          <a:xfrm>
+            <a:off x="1070939" y="3607200"/>
+            <a:ext cx="2262662" cy="334526"/>
+          </a:xfrm>
+          <a:prstGeom prst="rect">
+            <a:avLst/>
+          </a:prstGeom>
+          <a:noFill/>
+          <a:ln>
+            <a:noFill/>
+          </a:ln>
+        </p:spPr>
+        <p:txBody>
+          <a:bodyPr spcFirstLastPara="1" wrap="square" lIns="91425" tIns="91425" rIns="91425" bIns="91425" anchor="ctr" anchorCtr="0">
+            <a:noAutofit/>
+          </a:bodyPr>
+          <a:lstStyle>
+            <a:defPPr marR="0" lvl="0" algn="l" rtl="0">
+              <a:lnSpc>
+                <a:spcPct val="100000"/>
+              </a:lnSpc>
+              <a:spcBef>
+                <a:spcPts val="0"/>
+              </a:spcBef>
+              <a:spcAft>
+                <a:spcPts val="0"/>
+              </a:spcAft>
+            </a:defPPr>
+            <a:lvl1pPr marR="0" lvl="0" algn="l" rtl="0">
+              <a:lnSpc>
+                <a:spcPct val="100000"/>
+              </a:lnSpc>
+              <a:spcBef>
+                <a:spcPts val="0"/>
+              </a:spcBef>
+              <a:spcAft>
+                <a:spcPts val="0"/>
+              </a:spcAft>
+              <a:buClr>
+                <a:schemeClr val="dk1"/>
+              </a:buClr>
+              <a:buSzPts val="3000"/>
+              <a:buFont typeface="Quicksand"/>
+              <a:buNone/>
+              <a:defRPr sz="3000" b="1" i="0" u="none" strike="noStrike" cap="none">
+                <a:solidFill>
+                  <a:schemeClr val="dk1"/>
+                </a:solidFill>
+                <a:latin typeface="Quicksand"/>
+                <a:ea typeface="Quicksand"/>
+                <a:cs typeface="Quicksand"/>
+                <a:sym typeface="Quicksand"/>
+              </a:defRPr>
+            </a:lvl1pPr>
+            <a:lvl2pPr marR="0" lvl="1" algn="l" rtl="0">
+              <a:lnSpc>
+                <a:spcPct val="100000"/>
+              </a:lnSpc>
+              <a:spcBef>
+                <a:spcPts val="0"/>
+              </a:spcBef>
+              <a:spcAft>
+                <a:spcPts val="0"/>
+              </a:spcAft>
+              <a:buClr>
+                <a:schemeClr val="dk1"/>
+              </a:buClr>
+              <a:buSzPts val="3000"/>
+              <a:buFont typeface="Quicksand"/>
+              <a:buNone/>
+              <a:defRPr sz="3000" b="1" i="0" u="none" strike="noStrike" cap="none">
+                <a:solidFill>
+                  <a:schemeClr val="dk1"/>
+                </a:solidFill>
+                <a:latin typeface="Quicksand"/>
+                <a:ea typeface="Quicksand"/>
+                <a:cs typeface="Quicksand"/>
+                <a:sym typeface="Quicksand"/>
+              </a:defRPr>
+            </a:lvl2pPr>
+            <a:lvl3pPr marR="0" lvl="2" algn="l" rtl="0">
+              <a:lnSpc>
+                <a:spcPct val="100000"/>
+              </a:lnSpc>
+              <a:spcBef>
+                <a:spcPts val="0"/>
+              </a:spcBef>
+              <a:spcAft>
+                <a:spcPts val="0"/>
+              </a:spcAft>
+              <a:buClr>
+                <a:schemeClr val="dk1"/>
+              </a:buClr>
+              <a:buSzPts val="3000"/>
+              <a:buFont typeface="Quicksand"/>
+              <a:buNone/>
+              <a:defRPr sz="3000" b="1" i="0" u="none" strike="noStrike" cap="none">
+                <a:solidFill>
+                  <a:schemeClr val="dk1"/>
+                </a:solidFill>
+                <a:latin typeface="Quicksand"/>
+                <a:ea typeface="Quicksand"/>
+                <a:cs typeface="Quicksand"/>
+                <a:sym typeface="Quicksand"/>
+              </a:defRPr>
+            </a:lvl3pPr>
+            <a:lvl4pPr marR="0" lvl="3" algn="l" rtl="0">
+              <a:lnSpc>
+                <a:spcPct val="100000"/>
+              </a:lnSpc>
+              <a:spcBef>
+                <a:spcPts val="0"/>
+              </a:spcBef>
+              <a:spcAft>
+                <a:spcPts val="0"/>
+              </a:spcAft>
+              <a:buClr>
+                <a:schemeClr val="dk1"/>
+              </a:buClr>
+              <a:buSzPts val="3000"/>
+              <a:buFont typeface="Quicksand"/>
+              <a:buNone/>
+              <a:defRPr sz="3000" b="1" i="0" u="none" strike="noStrike" cap="none">
+                <a:solidFill>
+                  <a:schemeClr val="dk1"/>
+                </a:solidFill>
+                <a:latin typeface="Quicksand"/>
+                <a:ea typeface="Quicksand"/>
+                <a:cs typeface="Quicksand"/>
+                <a:sym typeface="Quicksand"/>
+              </a:defRPr>
+            </a:lvl4pPr>
+            <a:lvl5pPr marR="0" lvl="4" algn="l" rtl="0">
+              <a:lnSpc>
+                <a:spcPct val="100000"/>
+              </a:lnSpc>
+              <a:spcBef>
+                <a:spcPts val="0"/>
+              </a:spcBef>
+              <a:spcAft>
+                <a:spcPts val="0"/>
+              </a:spcAft>
+              <a:buClr>
+                <a:schemeClr val="dk1"/>
+              </a:buClr>
+              <a:buSzPts val="3000"/>
+              <a:buFont typeface="Quicksand"/>
+              <a:buNone/>
+              <a:defRPr sz="3000" b="1" i="0" u="none" strike="noStrike" cap="none">
+                <a:solidFill>
+                  <a:schemeClr val="dk1"/>
+                </a:solidFill>
+                <a:latin typeface="Quicksand"/>
+                <a:ea typeface="Quicksand"/>
+                <a:cs typeface="Quicksand"/>
+                <a:sym typeface="Quicksand"/>
+              </a:defRPr>
+            </a:lvl5pPr>
+            <a:lvl6pPr marR="0" lvl="5" algn="l" rtl="0">
+              <a:lnSpc>
+                <a:spcPct val="100000"/>
+              </a:lnSpc>
+              <a:spcBef>
+                <a:spcPts val="0"/>
+              </a:spcBef>
+              <a:spcAft>
+                <a:spcPts val="0"/>
+              </a:spcAft>
+              <a:buClr>
+                <a:schemeClr val="dk1"/>
+              </a:buClr>
+              <a:buSzPts val="3000"/>
+              <a:buFont typeface="Quicksand"/>
+              <a:buNone/>
+              <a:defRPr sz="3000" b="1" i="0" u="none" strike="noStrike" cap="none">
+                <a:solidFill>
+                  <a:schemeClr val="dk1"/>
+                </a:solidFill>
+                <a:latin typeface="Quicksand"/>
+                <a:ea typeface="Quicksand"/>
+                <a:cs typeface="Quicksand"/>
+                <a:sym typeface="Quicksand"/>
+              </a:defRPr>
+            </a:lvl6pPr>
+            <a:lvl7pPr marR="0" lvl="6" algn="l" rtl="0">
+              <a:lnSpc>
+                <a:spcPct val="100000"/>
+              </a:lnSpc>
+              <a:spcBef>
+                <a:spcPts val="0"/>
+              </a:spcBef>
+              <a:spcAft>
+                <a:spcPts val="0"/>
+              </a:spcAft>
+              <a:buClr>
+                <a:schemeClr val="dk1"/>
+              </a:buClr>
+              <a:buSzPts val="3000"/>
+              <a:buFont typeface="Quicksand"/>
+              <a:buNone/>
+              <a:defRPr sz="3000" b="1" i="0" u="none" strike="noStrike" cap="none">
+                <a:solidFill>
+                  <a:schemeClr val="dk1"/>
+                </a:solidFill>
+                <a:latin typeface="Quicksand"/>
+                <a:ea typeface="Quicksand"/>
+                <a:cs typeface="Quicksand"/>
+                <a:sym typeface="Quicksand"/>
+              </a:defRPr>
+            </a:lvl7pPr>
+            <a:lvl8pPr marR="0" lvl="7" algn="l" rtl="0">
+              <a:lnSpc>
+                <a:spcPct val="100000"/>
+              </a:lnSpc>
+              <a:spcBef>
+                <a:spcPts val="0"/>
+              </a:spcBef>
+              <a:spcAft>
+                <a:spcPts val="0"/>
+              </a:spcAft>
+              <a:buClr>
+                <a:schemeClr val="dk1"/>
+              </a:buClr>
+              <a:buSzPts val="3000"/>
+              <a:buFont typeface="Quicksand"/>
+              <a:buNone/>
+              <a:defRPr sz="3000" b="1" i="0" u="none" strike="noStrike" cap="none">
+                <a:solidFill>
+                  <a:schemeClr val="dk1"/>
+                </a:solidFill>
+                <a:latin typeface="Quicksand"/>
+                <a:ea typeface="Quicksand"/>
+                <a:cs typeface="Quicksand"/>
+                <a:sym typeface="Quicksand"/>
+              </a:defRPr>
+            </a:lvl8pPr>
+            <a:lvl9pPr marR="0" lvl="8" algn="l" rtl="0">
+              <a:lnSpc>
+                <a:spcPct val="100000"/>
+              </a:lnSpc>
+              <a:spcBef>
+                <a:spcPts val="0"/>
+              </a:spcBef>
+              <a:spcAft>
+                <a:spcPts val="0"/>
+              </a:spcAft>
+              <a:buClr>
+                <a:schemeClr val="dk1"/>
+              </a:buClr>
+              <a:buSzPts val="3000"/>
+              <a:buFont typeface="Quicksand"/>
+              <a:buNone/>
+              <a:defRPr sz="3000" b="1" i="0" u="none" strike="noStrike" cap="none">
+                <a:solidFill>
+                  <a:schemeClr val="dk1"/>
+                </a:solidFill>
+                <a:latin typeface="Quicksand"/>
+                <a:ea typeface="Quicksand"/>
+                <a:cs typeface="Quicksand"/>
+                <a:sym typeface="Quicksand"/>
+              </a:defRPr>
+            </a:lvl9pPr>
+          </a:lstStyle>
+          <a:p>
+            <a:pPr>
+              <a:buSzPct val="100000"/>
+            </a:pPr>
+            <a:r>
+              <a:rPr lang="en-US" altLang="ko-KR" sz="800" b="0" i="0" dirty="0">
+                <a:solidFill>
+                  <a:srgbClr val="1F1F1F"/>
+                </a:solidFill>
+                <a:effectLst/>
+                <a:latin typeface="Noto Sans" panose="020B0502040504020204" pitchFamily="34" charset="0"/>
+                <a:ea typeface="Noto Sans" panose="020B0502040504020204" pitchFamily="34" charset="0"/>
+                <a:cs typeface="Noto Sans" panose="020B0502040504020204" pitchFamily="34" charset="0"/>
+              </a:rPr>
+              <a:t>{'IT</a:t>
+            </a:r>
+            <a:r>
+              <a:rPr lang="ko-KR" altLang="en-US" sz="800" b="0" i="0" dirty="0">
+                <a:solidFill>
+                  <a:srgbClr val="1F1F1F"/>
+                </a:solidFill>
+                <a:effectLst/>
+                <a:latin typeface="Noto Sans" panose="020B0502040504020204" pitchFamily="34" charset="0"/>
+                <a:cs typeface="Noto Sans" panose="020B0502040504020204" pitchFamily="34" charset="0"/>
+              </a:rPr>
+              <a:t>과학</a:t>
+            </a:r>
+            <a:r>
+              <a:rPr lang="en-US" altLang="ko-KR" sz="800" b="0" i="0" dirty="0">
+                <a:solidFill>
+                  <a:srgbClr val="1F1F1F"/>
+                </a:solidFill>
+                <a:effectLst/>
+                <a:latin typeface="Noto Sans" panose="020B0502040504020204" pitchFamily="34" charset="0"/>
+                <a:ea typeface="Noto Sans" panose="020B0502040504020204" pitchFamily="34" charset="0"/>
+                <a:cs typeface="Noto Sans" panose="020B0502040504020204" pitchFamily="34" charset="0"/>
+              </a:rPr>
+              <a:t>': 0, '</a:t>
+            </a:r>
+            <a:r>
+              <a:rPr lang="ko-KR" altLang="en-US" sz="800" b="0" i="0" dirty="0">
+                <a:solidFill>
+                  <a:srgbClr val="1F1F1F"/>
+                </a:solidFill>
+                <a:effectLst/>
+                <a:latin typeface="Noto Sans" panose="020B0502040504020204" pitchFamily="34" charset="0"/>
+                <a:cs typeface="Noto Sans" panose="020B0502040504020204" pitchFamily="34" charset="0"/>
+              </a:rPr>
+              <a:t>경제</a:t>
+            </a:r>
+            <a:r>
+              <a:rPr lang="en-US" altLang="ko-KR" sz="800" b="0" i="0" dirty="0">
+                <a:solidFill>
+                  <a:srgbClr val="1F1F1F"/>
+                </a:solidFill>
+                <a:effectLst/>
+                <a:latin typeface="Noto Sans" panose="020B0502040504020204" pitchFamily="34" charset="0"/>
+                <a:ea typeface="Noto Sans" panose="020B0502040504020204" pitchFamily="34" charset="0"/>
+                <a:cs typeface="Noto Sans" panose="020B0502040504020204" pitchFamily="34" charset="0"/>
+              </a:rPr>
+              <a:t>': 1, '</a:t>
+            </a:r>
+            <a:r>
+              <a:rPr lang="ko-KR" altLang="en-US" sz="800" b="0" i="0" dirty="0">
+                <a:solidFill>
+                  <a:srgbClr val="1F1F1F"/>
+                </a:solidFill>
+                <a:effectLst/>
+                <a:latin typeface="Noto Sans" panose="020B0502040504020204" pitchFamily="34" charset="0"/>
+                <a:cs typeface="Noto Sans" panose="020B0502040504020204" pitchFamily="34" charset="0"/>
+              </a:rPr>
+              <a:t>사회</a:t>
+            </a:r>
+            <a:r>
+              <a:rPr lang="en-US" altLang="ko-KR" sz="800" b="0" i="0" dirty="0">
+                <a:solidFill>
+                  <a:srgbClr val="1F1F1F"/>
+                </a:solidFill>
+                <a:effectLst/>
+                <a:latin typeface="Noto Sans" panose="020B0502040504020204" pitchFamily="34" charset="0"/>
+                <a:ea typeface="Noto Sans" panose="020B0502040504020204" pitchFamily="34" charset="0"/>
+                <a:cs typeface="Noto Sans" panose="020B0502040504020204" pitchFamily="34" charset="0"/>
+              </a:rPr>
+              <a:t>': 2, '</a:t>
+            </a:r>
+            <a:r>
+              <a:rPr lang="ko-KR" altLang="en-US" sz="800" b="0" i="0" dirty="0">
+                <a:solidFill>
+                  <a:srgbClr val="1F1F1F"/>
+                </a:solidFill>
+                <a:effectLst/>
+                <a:latin typeface="Noto Sans" panose="020B0502040504020204" pitchFamily="34" charset="0"/>
+                <a:cs typeface="Noto Sans" panose="020B0502040504020204" pitchFamily="34" charset="0"/>
+              </a:rPr>
+              <a:t>생활문화</a:t>
+            </a:r>
+            <a:r>
+              <a:rPr lang="en-US" altLang="ko-KR" sz="800" b="0" i="0" dirty="0">
+                <a:solidFill>
+                  <a:srgbClr val="1F1F1F"/>
+                </a:solidFill>
+                <a:effectLst/>
+                <a:latin typeface="Noto Sans" panose="020B0502040504020204" pitchFamily="34" charset="0"/>
+                <a:ea typeface="Noto Sans" panose="020B0502040504020204" pitchFamily="34" charset="0"/>
+                <a:cs typeface="Noto Sans" panose="020B0502040504020204" pitchFamily="34" charset="0"/>
+              </a:rPr>
+              <a:t>': 3,</a:t>
+            </a:r>
+          </a:p>
+          <a:p>
+            <a:pPr>
+              <a:buSzPct val="100000"/>
+            </a:pPr>
+            <a:r>
+              <a:rPr lang="en-US" altLang="ko-KR" sz="800" b="0" i="0" dirty="0">
+                <a:solidFill>
+                  <a:srgbClr val="1F1F1F"/>
+                </a:solidFill>
+                <a:effectLst/>
+                <a:latin typeface="Noto Sans" panose="020B0502040504020204" pitchFamily="34" charset="0"/>
+                <a:ea typeface="Noto Sans" panose="020B0502040504020204" pitchFamily="34" charset="0"/>
+                <a:cs typeface="Noto Sans" panose="020B0502040504020204" pitchFamily="34" charset="0"/>
+              </a:rPr>
+              <a:t> '</a:t>
+            </a:r>
+            <a:r>
+              <a:rPr lang="ko-KR" altLang="en-US" sz="800" b="0" i="0" dirty="0">
+                <a:solidFill>
+                  <a:srgbClr val="1F1F1F"/>
+                </a:solidFill>
+                <a:effectLst/>
+                <a:latin typeface="Noto Sans" panose="020B0502040504020204" pitchFamily="34" charset="0"/>
+                <a:cs typeface="Noto Sans" panose="020B0502040504020204" pitchFamily="34" charset="0"/>
+              </a:rPr>
+              <a:t>세계</a:t>
+            </a:r>
+            <a:r>
+              <a:rPr lang="en-US" altLang="ko-KR" sz="800" b="0" i="0" dirty="0">
+                <a:solidFill>
+                  <a:srgbClr val="1F1F1F"/>
+                </a:solidFill>
+                <a:effectLst/>
+                <a:latin typeface="Noto Sans" panose="020B0502040504020204" pitchFamily="34" charset="0"/>
+                <a:ea typeface="Noto Sans" panose="020B0502040504020204" pitchFamily="34" charset="0"/>
+                <a:cs typeface="Noto Sans" panose="020B0502040504020204" pitchFamily="34" charset="0"/>
+              </a:rPr>
+              <a:t>': 4, '</a:t>
+            </a:r>
+            <a:r>
+              <a:rPr lang="ko-KR" altLang="en-US" sz="800" b="0" i="0" dirty="0">
+                <a:solidFill>
+                  <a:srgbClr val="1F1F1F"/>
+                </a:solidFill>
+                <a:effectLst/>
+                <a:latin typeface="Noto Sans" panose="020B0502040504020204" pitchFamily="34" charset="0"/>
+                <a:cs typeface="Noto Sans" panose="020B0502040504020204" pitchFamily="34" charset="0"/>
+              </a:rPr>
+              <a:t>스포츠</a:t>
+            </a:r>
+            <a:r>
+              <a:rPr lang="en-US" altLang="ko-KR" sz="800" b="0" i="0" dirty="0">
+                <a:solidFill>
+                  <a:srgbClr val="1F1F1F"/>
+                </a:solidFill>
+                <a:effectLst/>
+                <a:latin typeface="Noto Sans" panose="020B0502040504020204" pitchFamily="34" charset="0"/>
+                <a:ea typeface="Noto Sans" panose="020B0502040504020204" pitchFamily="34" charset="0"/>
+                <a:cs typeface="Noto Sans" panose="020B0502040504020204" pitchFamily="34" charset="0"/>
+              </a:rPr>
+              <a:t>': 5, '</a:t>
+            </a:r>
+            <a:r>
+              <a:rPr lang="ko-KR" altLang="en-US" sz="800" b="0" i="0" dirty="0">
+                <a:solidFill>
+                  <a:srgbClr val="1F1F1F"/>
+                </a:solidFill>
+                <a:effectLst/>
+                <a:latin typeface="Noto Sans" panose="020B0502040504020204" pitchFamily="34" charset="0"/>
+                <a:cs typeface="Noto Sans" panose="020B0502040504020204" pitchFamily="34" charset="0"/>
+              </a:rPr>
+              <a:t>정치</a:t>
+            </a:r>
+            <a:r>
+              <a:rPr lang="en-US" altLang="ko-KR" sz="800" b="0" i="0" dirty="0">
+                <a:solidFill>
+                  <a:srgbClr val="1F1F1F"/>
+                </a:solidFill>
+                <a:effectLst/>
+                <a:latin typeface="Noto Sans" panose="020B0502040504020204" pitchFamily="34" charset="0"/>
+                <a:ea typeface="Noto Sans" panose="020B0502040504020204" pitchFamily="34" charset="0"/>
+                <a:cs typeface="Noto Sans" panose="020B0502040504020204" pitchFamily="34" charset="0"/>
+              </a:rPr>
+              <a:t>': 6}</a:t>
+            </a:r>
+            <a:endParaRPr lang="en-US" altLang="ko-KR" sz="1000" b="0" dirty="0">
+              <a:solidFill>
+                <a:schemeClr val="tx2">
+                  <a:lumMod val="10000"/>
+                </a:schemeClr>
+              </a:solidFill>
+              <a:latin typeface="Noto Sans" panose="020B0502040504020204" pitchFamily="34" charset="0"/>
+              <a:ea typeface="Noto Sans" panose="020B0502040504020204" pitchFamily="34" charset="0"/>
+              <a:cs typeface="Noto Sans" panose="020B0502040504020204" pitchFamily="34" charset="0"/>
+            </a:endParaRPr>
+          </a:p>
+        </p:txBody>
+      </p:sp>
     </p:spTree>
     <p:extLst>
       <p:ext uri="{BB962C8B-B14F-4D97-AF65-F5344CB8AC3E}">
@@ -11846,9 +12503,7 @@
           <a:prstGeom prst="flowChartMagneticDisk">
             <a:avLst/>
           </a:prstGeom>
-          <a:solidFill>
-            <a:srgbClr val="FFFF00"/>
-          </a:solidFill>
+          <a:noFill/>
           <a:ln w="12700"/>
           <a:effectLst>
             <a:outerShdw blurRad="1270000" dist="50800" dir="5400000" algn="ctr" rotWithShape="0">
@@ -11915,7 +12570,9 @@
           <a:prstGeom prst="rect">
             <a:avLst/>
           </a:prstGeom>
-          <a:noFill/>
+          <a:solidFill>
+            <a:srgbClr val="FFFF00"/>
+          </a:solidFill>
           <a:ln w="12700"/>
           <a:effectLst>
             <a:outerShdw blurRad="1270000" dist="50800" dir="5400000" algn="ctr" rotWithShape="0">
@@ -13220,7 +13877,7 @@
               <a:buChar char="•"/>
             </a:pPr>
             <a:r>
-              <a:rPr lang="en-US" altLang="ko-KR" sz="1000" b="0">
+              <a:rPr lang="en-US" altLang="ko-KR" sz="1000" b="0" dirty="0">
                 <a:solidFill>
                   <a:schemeClr val="tx2">
                     <a:lumMod val="10000"/>
@@ -13231,15 +13888,6 @@
               </a:rPr>
               <a:t>label</a:t>
             </a:r>
-            <a:endParaRPr lang="en-US" altLang="ko-KR" sz="1000" b="0" dirty="0">
-              <a:solidFill>
-                <a:schemeClr val="tx2">
-                  <a:lumMod val="10000"/>
-                </a:schemeClr>
-              </a:solidFill>
-              <a:latin typeface="Noto Sans" panose="020B0502040504020204" pitchFamily="34" charset="0"/>
-              <a:ea typeface="Noto Sans" panose="020B0502040504020204" pitchFamily="34" charset="0"/>
-            </a:endParaRPr>
           </a:p>
           <a:p>
             <a:pPr>

--- a/PPT/DSLab_이승건_BERT멘토링발표.pptx
+++ b/PPT/DSLab_이승건_BERT멘토링발표.pptx
@@ -17310,30 +17310,6 @@
               <a:buChar char="•"/>
             </a:pPr>
             <a:r>
-              <a:rPr lang="ko-KR" altLang="en-US" sz="1100" b="0" dirty="0" err="1">
-                <a:solidFill>
-                  <a:schemeClr val="tx2">
-                    <a:lumMod val="10000"/>
-                  </a:schemeClr>
-                </a:solidFill>
-                <a:latin typeface="Noto Sans" panose="020B0502040504020204" pitchFamily="34" charset="0"/>
-                <a:ea typeface="Noto Sans" panose="020B0502040504020204" pitchFamily="34" charset="0"/>
-              </a:rPr>
-              <a:t>토크나이저로</a:t>
-            </a:r>
-            <a:r>
-              <a:rPr lang="ko-KR" altLang="en-US" sz="1100" b="0" dirty="0">
-                <a:solidFill>
-                  <a:schemeClr val="tx2">
-                    <a:lumMod val="10000"/>
-                  </a:schemeClr>
-                </a:solidFill>
-                <a:latin typeface="Noto Sans" panose="020B0502040504020204" pitchFamily="34" charset="0"/>
-                <a:ea typeface="Noto Sans" panose="020B0502040504020204" pitchFamily="34" charset="0"/>
-              </a:rPr>
-              <a:t> </a:t>
-            </a:r>
-            <a:r>
               <a:rPr lang="en-US" altLang="ko-KR" sz="1100" b="0" dirty="0" err="1">
                 <a:solidFill>
                   <a:schemeClr val="tx2">
@@ -22358,317 +22334,11 @@
                 <a:latin typeface="Noto Sans" panose="020B0502040504020204" pitchFamily="34" charset="0"/>
                 <a:ea typeface="Noto Sans" panose="020B0502040504020204" pitchFamily="34" charset="0"/>
               </a:rPr>
-              <a:t>2. Experiments – Embedding</a:t>
+              <a:t>2. Experiments – Train</a:t>
             </a:r>
             <a:endParaRPr lang="ko-KR" altLang="en-US" sz="2000" dirty="0">
               <a:solidFill>
                 <a:schemeClr val="dk2"/>
-              </a:solidFill>
-              <a:latin typeface="Noto Sans" panose="020B0502040504020204" pitchFamily="34" charset="0"/>
-              <a:ea typeface="Noto Sans" panose="020B0502040504020204" pitchFamily="34" charset="0"/>
-            </a:endParaRPr>
-          </a:p>
-        </p:txBody>
-      </p:sp>
-      <p:sp>
-        <p:nvSpPr>
-          <p:cNvPr id="50" name="Google Shape;285;p29">
-            <a:extLst>
-              <a:ext uri="{FF2B5EF4-FFF2-40B4-BE49-F238E27FC236}">
-                <a16:creationId xmlns:a16="http://schemas.microsoft.com/office/drawing/2014/main" id="{F5200146-9471-47CF-9244-D54F3D6FD077}"/>
-              </a:ext>
-            </a:extLst>
-          </p:cNvPr>
-          <p:cNvSpPr txBox="1">
-            <a:spLocks/>
-          </p:cNvSpPr>
-          <p:nvPr/>
-        </p:nvSpPr>
-        <p:spPr>
-          <a:xfrm>
-            <a:off x="786714" y="1240520"/>
-            <a:ext cx="1393776" cy="368565"/>
-          </a:xfrm>
-          <a:prstGeom prst="rect">
-            <a:avLst/>
-          </a:prstGeom>
-          <a:noFill/>
-          <a:ln>
-            <a:noFill/>
-          </a:ln>
-        </p:spPr>
-        <p:txBody>
-          <a:bodyPr spcFirstLastPara="1" wrap="square" lIns="91425" tIns="91425" rIns="91425" bIns="91425" anchor="t" anchorCtr="0">
-            <a:noAutofit/>
-          </a:bodyPr>
-          <a:lstStyle>
-            <a:defPPr marR="0" lvl="0" algn="l" rtl="0">
-              <a:lnSpc>
-                <a:spcPct val="100000"/>
-              </a:lnSpc>
-              <a:spcBef>
-                <a:spcPts val="0"/>
-              </a:spcBef>
-              <a:spcAft>
-                <a:spcPts val="0"/>
-              </a:spcAft>
-            </a:defPPr>
-            <a:lvl1pPr marR="0" lvl="0" algn="l" rtl="0">
-              <a:lnSpc>
-                <a:spcPct val="100000"/>
-              </a:lnSpc>
-              <a:spcBef>
-                <a:spcPts val="0"/>
-              </a:spcBef>
-              <a:spcAft>
-                <a:spcPts val="0"/>
-              </a:spcAft>
-              <a:buClr>
-                <a:schemeClr val="dk1"/>
-              </a:buClr>
-              <a:buSzPts val="3000"/>
-              <a:buFont typeface="Quicksand"/>
-              <a:buNone/>
-              <a:defRPr sz="3000" b="1" i="0" u="none" strike="noStrike" cap="none">
-                <a:solidFill>
-                  <a:schemeClr val="dk1"/>
-                </a:solidFill>
-                <a:latin typeface="Quicksand"/>
-                <a:ea typeface="Quicksand"/>
-                <a:cs typeface="Quicksand"/>
-                <a:sym typeface="Quicksand"/>
-              </a:defRPr>
-            </a:lvl1pPr>
-            <a:lvl2pPr marR="0" lvl="1" algn="l" rtl="0">
-              <a:lnSpc>
-                <a:spcPct val="100000"/>
-              </a:lnSpc>
-              <a:spcBef>
-                <a:spcPts val="0"/>
-              </a:spcBef>
-              <a:spcAft>
-                <a:spcPts val="0"/>
-              </a:spcAft>
-              <a:buClr>
-                <a:schemeClr val="dk1"/>
-              </a:buClr>
-              <a:buSzPts val="3000"/>
-              <a:buFont typeface="Quicksand"/>
-              <a:buNone/>
-              <a:defRPr sz="3000" b="1" i="0" u="none" strike="noStrike" cap="none">
-                <a:solidFill>
-                  <a:schemeClr val="dk1"/>
-                </a:solidFill>
-                <a:latin typeface="Quicksand"/>
-                <a:ea typeface="Quicksand"/>
-                <a:cs typeface="Quicksand"/>
-                <a:sym typeface="Quicksand"/>
-              </a:defRPr>
-            </a:lvl2pPr>
-            <a:lvl3pPr marR="0" lvl="2" algn="l" rtl="0">
-              <a:lnSpc>
-                <a:spcPct val="100000"/>
-              </a:lnSpc>
-              <a:spcBef>
-                <a:spcPts val="0"/>
-              </a:spcBef>
-              <a:spcAft>
-                <a:spcPts val="0"/>
-              </a:spcAft>
-              <a:buClr>
-                <a:schemeClr val="dk1"/>
-              </a:buClr>
-              <a:buSzPts val="3000"/>
-              <a:buFont typeface="Quicksand"/>
-              <a:buNone/>
-              <a:defRPr sz="3000" b="1" i="0" u="none" strike="noStrike" cap="none">
-                <a:solidFill>
-                  <a:schemeClr val="dk1"/>
-                </a:solidFill>
-                <a:latin typeface="Quicksand"/>
-                <a:ea typeface="Quicksand"/>
-                <a:cs typeface="Quicksand"/>
-                <a:sym typeface="Quicksand"/>
-              </a:defRPr>
-            </a:lvl3pPr>
-            <a:lvl4pPr marR="0" lvl="3" algn="l" rtl="0">
-              <a:lnSpc>
-                <a:spcPct val="100000"/>
-              </a:lnSpc>
-              <a:spcBef>
-                <a:spcPts val="0"/>
-              </a:spcBef>
-              <a:spcAft>
-                <a:spcPts val="0"/>
-              </a:spcAft>
-              <a:buClr>
-                <a:schemeClr val="dk1"/>
-              </a:buClr>
-              <a:buSzPts val="3000"/>
-              <a:buFont typeface="Quicksand"/>
-              <a:buNone/>
-              <a:defRPr sz="3000" b="1" i="0" u="none" strike="noStrike" cap="none">
-                <a:solidFill>
-                  <a:schemeClr val="dk1"/>
-                </a:solidFill>
-                <a:latin typeface="Quicksand"/>
-                <a:ea typeface="Quicksand"/>
-                <a:cs typeface="Quicksand"/>
-                <a:sym typeface="Quicksand"/>
-              </a:defRPr>
-            </a:lvl4pPr>
-            <a:lvl5pPr marR="0" lvl="4" algn="l" rtl="0">
-              <a:lnSpc>
-                <a:spcPct val="100000"/>
-              </a:lnSpc>
-              <a:spcBef>
-                <a:spcPts val="0"/>
-              </a:spcBef>
-              <a:spcAft>
-                <a:spcPts val="0"/>
-              </a:spcAft>
-              <a:buClr>
-                <a:schemeClr val="dk1"/>
-              </a:buClr>
-              <a:buSzPts val="3000"/>
-              <a:buFont typeface="Quicksand"/>
-              <a:buNone/>
-              <a:defRPr sz="3000" b="1" i="0" u="none" strike="noStrike" cap="none">
-                <a:solidFill>
-                  <a:schemeClr val="dk1"/>
-                </a:solidFill>
-                <a:latin typeface="Quicksand"/>
-                <a:ea typeface="Quicksand"/>
-                <a:cs typeface="Quicksand"/>
-                <a:sym typeface="Quicksand"/>
-              </a:defRPr>
-            </a:lvl5pPr>
-            <a:lvl6pPr marR="0" lvl="5" algn="l" rtl="0">
-              <a:lnSpc>
-                <a:spcPct val="100000"/>
-              </a:lnSpc>
-              <a:spcBef>
-                <a:spcPts val="0"/>
-              </a:spcBef>
-              <a:spcAft>
-                <a:spcPts val="0"/>
-              </a:spcAft>
-              <a:buClr>
-                <a:schemeClr val="dk1"/>
-              </a:buClr>
-              <a:buSzPts val="3000"/>
-              <a:buFont typeface="Quicksand"/>
-              <a:buNone/>
-              <a:defRPr sz="3000" b="1" i="0" u="none" strike="noStrike" cap="none">
-                <a:solidFill>
-                  <a:schemeClr val="dk1"/>
-                </a:solidFill>
-                <a:latin typeface="Quicksand"/>
-                <a:ea typeface="Quicksand"/>
-                <a:cs typeface="Quicksand"/>
-                <a:sym typeface="Quicksand"/>
-              </a:defRPr>
-            </a:lvl6pPr>
-            <a:lvl7pPr marR="0" lvl="6" algn="l" rtl="0">
-              <a:lnSpc>
-                <a:spcPct val="100000"/>
-              </a:lnSpc>
-              <a:spcBef>
-                <a:spcPts val="0"/>
-              </a:spcBef>
-              <a:spcAft>
-                <a:spcPts val="0"/>
-              </a:spcAft>
-              <a:buClr>
-                <a:schemeClr val="dk1"/>
-              </a:buClr>
-              <a:buSzPts val="3000"/>
-              <a:buFont typeface="Quicksand"/>
-              <a:buNone/>
-              <a:defRPr sz="3000" b="1" i="0" u="none" strike="noStrike" cap="none">
-                <a:solidFill>
-                  <a:schemeClr val="dk1"/>
-                </a:solidFill>
-                <a:latin typeface="Quicksand"/>
-                <a:ea typeface="Quicksand"/>
-                <a:cs typeface="Quicksand"/>
-                <a:sym typeface="Quicksand"/>
-              </a:defRPr>
-            </a:lvl7pPr>
-            <a:lvl8pPr marR="0" lvl="7" algn="l" rtl="0">
-              <a:lnSpc>
-                <a:spcPct val="100000"/>
-              </a:lnSpc>
-              <a:spcBef>
-                <a:spcPts val="0"/>
-              </a:spcBef>
-              <a:spcAft>
-                <a:spcPts val="0"/>
-              </a:spcAft>
-              <a:buClr>
-                <a:schemeClr val="dk1"/>
-              </a:buClr>
-              <a:buSzPts val="3000"/>
-              <a:buFont typeface="Quicksand"/>
-              <a:buNone/>
-              <a:defRPr sz="3000" b="1" i="0" u="none" strike="noStrike" cap="none">
-                <a:solidFill>
-                  <a:schemeClr val="dk1"/>
-                </a:solidFill>
-                <a:latin typeface="Quicksand"/>
-                <a:ea typeface="Quicksand"/>
-                <a:cs typeface="Quicksand"/>
-                <a:sym typeface="Quicksand"/>
-              </a:defRPr>
-            </a:lvl8pPr>
-            <a:lvl9pPr marR="0" lvl="8" algn="l" rtl="0">
-              <a:lnSpc>
-                <a:spcPct val="100000"/>
-              </a:lnSpc>
-              <a:spcBef>
-                <a:spcPts val="0"/>
-              </a:spcBef>
-              <a:spcAft>
-                <a:spcPts val="0"/>
-              </a:spcAft>
-              <a:buClr>
-                <a:schemeClr val="dk1"/>
-              </a:buClr>
-              <a:buSzPts val="3000"/>
-              <a:buFont typeface="Quicksand"/>
-              <a:buNone/>
-              <a:defRPr sz="3000" b="1" i="0" u="none" strike="noStrike" cap="none">
-                <a:solidFill>
-                  <a:schemeClr val="dk1"/>
-                </a:solidFill>
-                <a:latin typeface="Quicksand"/>
-                <a:ea typeface="Quicksand"/>
-                <a:cs typeface="Quicksand"/>
-                <a:sym typeface="Quicksand"/>
-              </a:defRPr>
-            </a:lvl9pPr>
-          </a:lstStyle>
-          <a:p>
-            <a:pPr>
-              <a:buSzPct val="100000"/>
-            </a:pPr>
-            <a:r>
-              <a:rPr lang="en-US" altLang="ko-KR" sz="1300" dirty="0">
-                <a:solidFill>
-                  <a:schemeClr val="tx2">
-                    <a:lumMod val="10000"/>
-                  </a:schemeClr>
-                </a:solidFill>
-                <a:latin typeface="Noto Sans" panose="020B0502040504020204" pitchFamily="34" charset="0"/>
-                <a:ea typeface="Noto Sans" panose="020B0502040504020204" pitchFamily="34" charset="0"/>
-              </a:rPr>
-              <a:t>Embedding</a:t>
-            </a:r>
-            <a:endParaRPr lang="en-US" altLang="ko-KR" sz="1100" dirty="0">
-              <a:solidFill>
-                <a:schemeClr val="tx2">
-                  <a:lumMod val="10000"/>
-                </a:schemeClr>
               </a:solidFill>
               <a:latin typeface="Noto Sans" panose="020B0502040504020204" pitchFamily="34" charset="0"/>
               <a:ea typeface="Noto Sans" panose="020B0502040504020204" pitchFamily="34" charset="0"/>
@@ -22933,9 +22603,7 @@
           <a:prstGeom prst="rect">
             <a:avLst/>
           </a:prstGeom>
-          <a:solidFill>
-            <a:srgbClr val="FFFF00"/>
-          </a:solidFill>
+          <a:noFill/>
           <a:ln w="12700"/>
           <a:effectLst>
             <a:outerShdw blurRad="1270000" dist="50800" dir="5400000" algn="ctr" rotWithShape="0">
@@ -23079,7 +22747,9 @@
           <a:prstGeom prst="rect">
             <a:avLst/>
           </a:prstGeom>
-          <a:noFill/>
+          <a:solidFill>
+            <a:srgbClr val="FFFF00"/>
+          </a:solidFill>
           <a:ln w="12700"/>
           <a:effectLst>
             <a:outerShdw blurRad="1270000" dist="50800" dir="5400000" algn="ctr" rotWithShape="0">
@@ -23660,6 +23330,941 @@
           </a:p>
         </p:txBody>
       </p:sp>
+      <p:sp>
+        <p:nvSpPr>
+          <p:cNvPr id="22" name="Google Shape;285;p29">
+            <a:extLst>
+              <a:ext uri="{FF2B5EF4-FFF2-40B4-BE49-F238E27FC236}">
+                <a16:creationId xmlns:a16="http://schemas.microsoft.com/office/drawing/2014/main" id="{53D60846-E7E9-4FFA-A2C6-EB98613D21C5}"/>
+              </a:ext>
+            </a:extLst>
+          </p:cNvPr>
+          <p:cNvSpPr txBox="1">
+            <a:spLocks/>
+          </p:cNvSpPr>
+          <p:nvPr/>
+        </p:nvSpPr>
+        <p:spPr>
+          <a:xfrm>
+            <a:off x="691888" y="1047284"/>
+            <a:ext cx="2353768" cy="368565"/>
+          </a:xfrm>
+          <a:prstGeom prst="rect">
+            <a:avLst/>
+          </a:prstGeom>
+          <a:noFill/>
+          <a:ln>
+            <a:noFill/>
+          </a:ln>
+        </p:spPr>
+        <p:txBody>
+          <a:bodyPr spcFirstLastPara="1" wrap="square" lIns="91425" tIns="91425" rIns="91425" bIns="91425" anchor="t" anchorCtr="0">
+            <a:noAutofit/>
+          </a:bodyPr>
+          <a:lstStyle>
+            <a:defPPr marR="0" lvl="0" algn="l" rtl="0">
+              <a:lnSpc>
+                <a:spcPct val="100000"/>
+              </a:lnSpc>
+              <a:spcBef>
+                <a:spcPts val="0"/>
+              </a:spcBef>
+              <a:spcAft>
+                <a:spcPts val="0"/>
+              </a:spcAft>
+            </a:defPPr>
+            <a:lvl1pPr marR="0" lvl="0" algn="l" rtl="0">
+              <a:lnSpc>
+                <a:spcPct val="100000"/>
+              </a:lnSpc>
+              <a:spcBef>
+                <a:spcPts val="0"/>
+              </a:spcBef>
+              <a:spcAft>
+                <a:spcPts val="0"/>
+              </a:spcAft>
+              <a:buClr>
+                <a:schemeClr val="dk1"/>
+              </a:buClr>
+              <a:buSzPts val="3000"/>
+              <a:buFont typeface="Quicksand"/>
+              <a:buNone/>
+              <a:defRPr sz="3000" b="1" i="0" u="none" strike="noStrike" cap="none">
+                <a:solidFill>
+                  <a:schemeClr val="dk1"/>
+                </a:solidFill>
+                <a:latin typeface="Quicksand"/>
+                <a:ea typeface="Quicksand"/>
+                <a:cs typeface="Quicksand"/>
+                <a:sym typeface="Quicksand"/>
+              </a:defRPr>
+            </a:lvl1pPr>
+            <a:lvl2pPr marR="0" lvl="1" algn="l" rtl="0">
+              <a:lnSpc>
+                <a:spcPct val="100000"/>
+              </a:lnSpc>
+              <a:spcBef>
+                <a:spcPts val="0"/>
+              </a:spcBef>
+              <a:spcAft>
+                <a:spcPts val="0"/>
+              </a:spcAft>
+              <a:buClr>
+                <a:schemeClr val="dk1"/>
+              </a:buClr>
+              <a:buSzPts val="3000"/>
+              <a:buFont typeface="Quicksand"/>
+              <a:buNone/>
+              <a:defRPr sz="3000" b="1" i="0" u="none" strike="noStrike" cap="none">
+                <a:solidFill>
+                  <a:schemeClr val="dk1"/>
+                </a:solidFill>
+                <a:latin typeface="Quicksand"/>
+                <a:ea typeface="Quicksand"/>
+                <a:cs typeface="Quicksand"/>
+                <a:sym typeface="Quicksand"/>
+              </a:defRPr>
+            </a:lvl2pPr>
+            <a:lvl3pPr marR="0" lvl="2" algn="l" rtl="0">
+              <a:lnSpc>
+                <a:spcPct val="100000"/>
+              </a:lnSpc>
+              <a:spcBef>
+                <a:spcPts val="0"/>
+              </a:spcBef>
+              <a:spcAft>
+                <a:spcPts val="0"/>
+              </a:spcAft>
+              <a:buClr>
+                <a:schemeClr val="dk1"/>
+              </a:buClr>
+              <a:buSzPts val="3000"/>
+              <a:buFont typeface="Quicksand"/>
+              <a:buNone/>
+              <a:defRPr sz="3000" b="1" i="0" u="none" strike="noStrike" cap="none">
+                <a:solidFill>
+                  <a:schemeClr val="dk1"/>
+                </a:solidFill>
+                <a:latin typeface="Quicksand"/>
+                <a:ea typeface="Quicksand"/>
+                <a:cs typeface="Quicksand"/>
+                <a:sym typeface="Quicksand"/>
+              </a:defRPr>
+            </a:lvl3pPr>
+            <a:lvl4pPr marR="0" lvl="3" algn="l" rtl="0">
+              <a:lnSpc>
+                <a:spcPct val="100000"/>
+              </a:lnSpc>
+              <a:spcBef>
+                <a:spcPts val="0"/>
+              </a:spcBef>
+              <a:spcAft>
+                <a:spcPts val="0"/>
+              </a:spcAft>
+              <a:buClr>
+                <a:schemeClr val="dk1"/>
+              </a:buClr>
+              <a:buSzPts val="3000"/>
+              <a:buFont typeface="Quicksand"/>
+              <a:buNone/>
+              <a:defRPr sz="3000" b="1" i="0" u="none" strike="noStrike" cap="none">
+                <a:solidFill>
+                  <a:schemeClr val="dk1"/>
+                </a:solidFill>
+                <a:latin typeface="Quicksand"/>
+                <a:ea typeface="Quicksand"/>
+                <a:cs typeface="Quicksand"/>
+                <a:sym typeface="Quicksand"/>
+              </a:defRPr>
+            </a:lvl4pPr>
+            <a:lvl5pPr marR="0" lvl="4" algn="l" rtl="0">
+              <a:lnSpc>
+                <a:spcPct val="100000"/>
+              </a:lnSpc>
+              <a:spcBef>
+                <a:spcPts val="0"/>
+              </a:spcBef>
+              <a:spcAft>
+                <a:spcPts val="0"/>
+              </a:spcAft>
+              <a:buClr>
+                <a:schemeClr val="dk1"/>
+              </a:buClr>
+              <a:buSzPts val="3000"/>
+              <a:buFont typeface="Quicksand"/>
+              <a:buNone/>
+              <a:defRPr sz="3000" b="1" i="0" u="none" strike="noStrike" cap="none">
+                <a:solidFill>
+                  <a:schemeClr val="dk1"/>
+                </a:solidFill>
+                <a:latin typeface="Quicksand"/>
+                <a:ea typeface="Quicksand"/>
+                <a:cs typeface="Quicksand"/>
+                <a:sym typeface="Quicksand"/>
+              </a:defRPr>
+            </a:lvl5pPr>
+            <a:lvl6pPr marR="0" lvl="5" algn="l" rtl="0">
+              <a:lnSpc>
+                <a:spcPct val="100000"/>
+              </a:lnSpc>
+              <a:spcBef>
+                <a:spcPts val="0"/>
+              </a:spcBef>
+              <a:spcAft>
+                <a:spcPts val="0"/>
+              </a:spcAft>
+              <a:buClr>
+                <a:schemeClr val="dk1"/>
+              </a:buClr>
+              <a:buSzPts val="3000"/>
+              <a:buFont typeface="Quicksand"/>
+              <a:buNone/>
+              <a:defRPr sz="3000" b="1" i="0" u="none" strike="noStrike" cap="none">
+                <a:solidFill>
+                  <a:schemeClr val="dk1"/>
+                </a:solidFill>
+                <a:latin typeface="Quicksand"/>
+                <a:ea typeface="Quicksand"/>
+                <a:cs typeface="Quicksand"/>
+                <a:sym typeface="Quicksand"/>
+              </a:defRPr>
+            </a:lvl6pPr>
+            <a:lvl7pPr marR="0" lvl="6" algn="l" rtl="0">
+              <a:lnSpc>
+                <a:spcPct val="100000"/>
+              </a:lnSpc>
+              <a:spcBef>
+                <a:spcPts val="0"/>
+              </a:spcBef>
+              <a:spcAft>
+                <a:spcPts val="0"/>
+              </a:spcAft>
+              <a:buClr>
+                <a:schemeClr val="dk1"/>
+              </a:buClr>
+              <a:buSzPts val="3000"/>
+              <a:buFont typeface="Quicksand"/>
+              <a:buNone/>
+              <a:defRPr sz="3000" b="1" i="0" u="none" strike="noStrike" cap="none">
+                <a:solidFill>
+                  <a:schemeClr val="dk1"/>
+                </a:solidFill>
+                <a:latin typeface="Quicksand"/>
+                <a:ea typeface="Quicksand"/>
+                <a:cs typeface="Quicksand"/>
+                <a:sym typeface="Quicksand"/>
+              </a:defRPr>
+            </a:lvl7pPr>
+            <a:lvl8pPr marR="0" lvl="7" algn="l" rtl="0">
+              <a:lnSpc>
+                <a:spcPct val="100000"/>
+              </a:lnSpc>
+              <a:spcBef>
+                <a:spcPts val="0"/>
+              </a:spcBef>
+              <a:spcAft>
+                <a:spcPts val="0"/>
+              </a:spcAft>
+              <a:buClr>
+                <a:schemeClr val="dk1"/>
+              </a:buClr>
+              <a:buSzPts val="3000"/>
+              <a:buFont typeface="Quicksand"/>
+              <a:buNone/>
+              <a:defRPr sz="3000" b="1" i="0" u="none" strike="noStrike" cap="none">
+                <a:solidFill>
+                  <a:schemeClr val="dk1"/>
+                </a:solidFill>
+                <a:latin typeface="Quicksand"/>
+                <a:ea typeface="Quicksand"/>
+                <a:cs typeface="Quicksand"/>
+                <a:sym typeface="Quicksand"/>
+              </a:defRPr>
+            </a:lvl8pPr>
+            <a:lvl9pPr marR="0" lvl="8" algn="l" rtl="0">
+              <a:lnSpc>
+                <a:spcPct val="100000"/>
+              </a:lnSpc>
+              <a:spcBef>
+                <a:spcPts val="0"/>
+              </a:spcBef>
+              <a:spcAft>
+                <a:spcPts val="0"/>
+              </a:spcAft>
+              <a:buClr>
+                <a:schemeClr val="dk1"/>
+              </a:buClr>
+              <a:buSzPts val="3000"/>
+              <a:buFont typeface="Quicksand"/>
+              <a:buNone/>
+              <a:defRPr sz="3000" b="1" i="0" u="none" strike="noStrike" cap="none">
+                <a:solidFill>
+                  <a:schemeClr val="dk1"/>
+                </a:solidFill>
+                <a:latin typeface="Quicksand"/>
+                <a:ea typeface="Quicksand"/>
+                <a:cs typeface="Quicksand"/>
+                <a:sym typeface="Quicksand"/>
+              </a:defRPr>
+            </a:lvl9pPr>
+          </a:lstStyle>
+          <a:p>
+            <a:pPr marL="171450" indent="-171450">
+              <a:buSzPct val="100000"/>
+              <a:buFont typeface="Arial" panose="020B0604020202020204" pitchFamily="34" charset="0"/>
+              <a:buChar char="•"/>
+            </a:pPr>
+            <a:r>
+              <a:rPr lang="en-US" altLang="ko-KR" sz="1100" b="0" dirty="0" err="1">
+                <a:solidFill>
+                  <a:schemeClr val="tx2">
+                    <a:lumMod val="10000"/>
+                  </a:schemeClr>
+                </a:solidFill>
+                <a:latin typeface="Noto Sans" panose="020B0502040504020204" pitchFamily="34" charset="0"/>
+                <a:ea typeface="Noto Sans" panose="020B0502040504020204" pitchFamily="34" charset="0"/>
+              </a:rPr>
+              <a:t>KoBERT</a:t>
+            </a:r>
+            <a:r>
+              <a:rPr lang="en-US" altLang="ko-KR" sz="1100" b="0" dirty="0">
+                <a:solidFill>
+                  <a:schemeClr val="tx2">
+                    <a:lumMod val="10000"/>
+                  </a:schemeClr>
+                </a:solidFill>
+                <a:latin typeface="Noto Sans" panose="020B0502040504020204" pitchFamily="34" charset="0"/>
+                <a:ea typeface="Noto Sans" panose="020B0502040504020204" pitchFamily="34" charset="0"/>
+              </a:rPr>
+              <a:t> </a:t>
+            </a:r>
+            <a:r>
+              <a:rPr lang="ko-KR" altLang="en-US" sz="1100" b="0" dirty="0">
+                <a:solidFill>
+                  <a:schemeClr val="tx2">
+                    <a:lumMod val="10000"/>
+                  </a:schemeClr>
+                </a:solidFill>
+                <a:latin typeface="Noto Sans" panose="020B0502040504020204" pitchFamily="34" charset="0"/>
+                <a:ea typeface="Noto Sans" panose="020B0502040504020204" pitchFamily="34" charset="0"/>
+              </a:rPr>
+              <a:t>모델을 사용하여 학습</a:t>
+            </a:r>
+            <a:endParaRPr lang="en-US" altLang="ko-KR" sz="1100" b="0" dirty="0">
+              <a:solidFill>
+                <a:schemeClr val="tx2">
+                  <a:lumMod val="10000"/>
+                </a:schemeClr>
+              </a:solidFill>
+              <a:latin typeface="Noto Sans" panose="020B0502040504020204" pitchFamily="34" charset="0"/>
+              <a:ea typeface="Noto Sans" panose="020B0502040504020204" pitchFamily="34" charset="0"/>
+            </a:endParaRPr>
+          </a:p>
+        </p:txBody>
+      </p:sp>
+      <p:sp>
+        <p:nvSpPr>
+          <p:cNvPr id="23" name="Google Shape;285;p29">
+            <a:extLst>
+              <a:ext uri="{FF2B5EF4-FFF2-40B4-BE49-F238E27FC236}">
+                <a16:creationId xmlns:a16="http://schemas.microsoft.com/office/drawing/2014/main" id="{FD310F6C-C234-45B4-B650-77D049A60A2D}"/>
+              </a:ext>
+            </a:extLst>
+          </p:cNvPr>
+          <p:cNvSpPr txBox="1">
+            <a:spLocks/>
+          </p:cNvSpPr>
+          <p:nvPr/>
+        </p:nvSpPr>
+        <p:spPr>
+          <a:xfrm>
+            <a:off x="758578" y="1495335"/>
+            <a:ext cx="1646997" cy="368565"/>
+          </a:xfrm>
+          <a:prstGeom prst="rect">
+            <a:avLst/>
+          </a:prstGeom>
+          <a:noFill/>
+          <a:ln>
+            <a:noFill/>
+          </a:ln>
+        </p:spPr>
+        <p:txBody>
+          <a:bodyPr spcFirstLastPara="1" wrap="square" lIns="91425" tIns="91425" rIns="91425" bIns="91425" anchor="t" anchorCtr="0">
+            <a:noAutofit/>
+          </a:bodyPr>
+          <a:lstStyle>
+            <a:defPPr marR="0" lvl="0" algn="l" rtl="0">
+              <a:lnSpc>
+                <a:spcPct val="100000"/>
+              </a:lnSpc>
+              <a:spcBef>
+                <a:spcPts val="0"/>
+              </a:spcBef>
+              <a:spcAft>
+                <a:spcPts val="0"/>
+              </a:spcAft>
+            </a:defPPr>
+            <a:lvl1pPr marR="0" lvl="0" algn="l" rtl="0">
+              <a:lnSpc>
+                <a:spcPct val="100000"/>
+              </a:lnSpc>
+              <a:spcBef>
+                <a:spcPts val="0"/>
+              </a:spcBef>
+              <a:spcAft>
+                <a:spcPts val="0"/>
+              </a:spcAft>
+              <a:buClr>
+                <a:schemeClr val="dk1"/>
+              </a:buClr>
+              <a:buSzPts val="3000"/>
+              <a:buFont typeface="Quicksand"/>
+              <a:buNone/>
+              <a:defRPr sz="3000" b="1" i="0" u="none" strike="noStrike" cap="none">
+                <a:solidFill>
+                  <a:schemeClr val="dk1"/>
+                </a:solidFill>
+                <a:latin typeface="Quicksand"/>
+                <a:ea typeface="Quicksand"/>
+                <a:cs typeface="Quicksand"/>
+                <a:sym typeface="Quicksand"/>
+              </a:defRPr>
+            </a:lvl1pPr>
+            <a:lvl2pPr marR="0" lvl="1" algn="l" rtl="0">
+              <a:lnSpc>
+                <a:spcPct val="100000"/>
+              </a:lnSpc>
+              <a:spcBef>
+                <a:spcPts val="0"/>
+              </a:spcBef>
+              <a:spcAft>
+                <a:spcPts val="0"/>
+              </a:spcAft>
+              <a:buClr>
+                <a:schemeClr val="dk1"/>
+              </a:buClr>
+              <a:buSzPts val="3000"/>
+              <a:buFont typeface="Quicksand"/>
+              <a:buNone/>
+              <a:defRPr sz="3000" b="1" i="0" u="none" strike="noStrike" cap="none">
+                <a:solidFill>
+                  <a:schemeClr val="dk1"/>
+                </a:solidFill>
+                <a:latin typeface="Quicksand"/>
+                <a:ea typeface="Quicksand"/>
+                <a:cs typeface="Quicksand"/>
+                <a:sym typeface="Quicksand"/>
+              </a:defRPr>
+            </a:lvl2pPr>
+            <a:lvl3pPr marR="0" lvl="2" algn="l" rtl="0">
+              <a:lnSpc>
+                <a:spcPct val="100000"/>
+              </a:lnSpc>
+              <a:spcBef>
+                <a:spcPts val="0"/>
+              </a:spcBef>
+              <a:spcAft>
+                <a:spcPts val="0"/>
+              </a:spcAft>
+              <a:buClr>
+                <a:schemeClr val="dk1"/>
+              </a:buClr>
+              <a:buSzPts val="3000"/>
+              <a:buFont typeface="Quicksand"/>
+              <a:buNone/>
+              <a:defRPr sz="3000" b="1" i="0" u="none" strike="noStrike" cap="none">
+                <a:solidFill>
+                  <a:schemeClr val="dk1"/>
+                </a:solidFill>
+                <a:latin typeface="Quicksand"/>
+                <a:ea typeface="Quicksand"/>
+                <a:cs typeface="Quicksand"/>
+                <a:sym typeface="Quicksand"/>
+              </a:defRPr>
+            </a:lvl3pPr>
+            <a:lvl4pPr marR="0" lvl="3" algn="l" rtl="0">
+              <a:lnSpc>
+                <a:spcPct val="100000"/>
+              </a:lnSpc>
+              <a:spcBef>
+                <a:spcPts val="0"/>
+              </a:spcBef>
+              <a:spcAft>
+                <a:spcPts val="0"/>
+              </a:spcAft>
+              <a:buClr>
+                <a:schemeClr val="dk1"/>
+              </a:buClr>
+              <a:buSzPts val="3000"/>
+              <a:buFont typeface="Quicksand"/>
+              <a:buNone/>
+              <a:defRPr sz="3000" b="1" i="0" u="none" strike="noStrike" cap="none">
+                <a:solidFill>
+                  <a:schemeClr val="dk1"/>
+                </a:solidFill>
+                <a:latin typeface="Quicksand"/>
+                <a:ea typeface="Quicksand"/>
+                <a:cs typeface="Quicksand"/>
+                <a:sym typeface="Quicksand"/>
+              </a:defRPr>
+            </a:lvl4pPr>
+            <a:lvl5pPr marR="0" lvl="4" algn="l" rtl="0">
+              <a:lnSpc>
+                <a:spcPct val="100000"/>
+              </a:lnSpc>
+              <a:spcBef>
+                <a:spcPts val="0"/>
+              </a:spcBef>
+              <a:spcAft>
+                <a:spcPts val="0"/>
+              </a:spcAft>
+              <a:buClr>
+                <a:schemeClr val="dk1"/>
+              </a:buClr>
+              <a:buSzPts val="3000"/>
+              <a:buFont typeface="Quicksand"/>
+              <a:buNone/>
+              <a:defRPr sz="3000" b="1" i="0" u="none" strike="noStrike" cap="none">
+                <a:solidFill>
+                  <a:schemeClr val="dk1"/>
+                </a:solidFill>
+                <a:latin typeface="Quicksand"/>
+                <a:ea typeface="Quicksand"/>
+                <a:cs typeface="Quicksand"/>
+                <a:sym typeface="Quicksand"/>
+              </a:defRPr>
+            </a:lvl5pPr>
+            <a:lvl6pPr marR="0" lvl="5" algn="l" rtl="0">
+              <a:lnSpc>
+                <a:spcPct val="100000"/>
+              </a:lnSpc>
+              <a:spcBef>
+                <a:spcPts val="0"/>
+              </a:spcBef>
+              <a:spcAft>
+                <a:spcPts val="0"/>
+              </a:spcAft>
+              <a:buClr>
+                <a:schemeClr val="dk1"/>
+              </a:buClr>
+              <a:buSzPts val="3000"/>
+              <a:buFont typeface="Quicksand"/>
+              <a:buNone/>
+              <a:defRPr sz="3000" b="1" i="0" u="none" strike="noStrike" cap="none">
+                <a:solidFill>
+                  <a:schemeClr val="dk1"/>
+                </a:solidFill>
+                <a:latin typeface="Quicksand"/>
+                <a:ea typeface="Quicksand"/>
+                <a:cs typeface="Quicksand"/>
+                <a:sym typeface="Quicksand"/>
+              </a:defRPr>
+            </a:lvl6pPr>
+            <a:lvl7pPr marR="0" lvl="6" algn="l" rtl="0">
+              <a:lnSpc>
+                <a:spcPct val="100000"/>
+              </a:lnSpc>
+              <a:spcBef>
+                <a:spcPts val="0"/>
+              </a:spcBef>
+              <a:spcAft>
+                <a:spcPts val="0"/>
+              </a:spcAft>
+              <a:buClr>
+                <a:schemeClr val="dk1"/>
+              </a:buClr>
+              <a:buSzPts val="3000"/>
+              <a:buFont typeface="Quicksand"/>
+              <a:buNone/>
+              <a:defRPr sz="3000" b="1" i="0" u="none" strike="noStrike" cap="none">
+                <a:solidFill>
+                  <a:schemeClr val="dk1"/>
+                </a:solidFill>
+                <a:latin typeface="Quicksand"/>
+                <a:ea typeface="Quicksand"/>
+                <a:cs typeface="Quicksand"/>
+                <a:sym typeface="Quicksand"/>
+              </a:defRPr>
+            </a:lvl7pPr>
+            <a:lvl8pPr marR="0" lvl="7" algn="l" rtl="0">
+              <a:lnSpc>
+                <a:spcPct val="100000"/>
+              </a:lnSpc>
+              <a:spcBef>
+                <a:spcPts val="0"/>
+              </a:spcBef>
+              <a:spcAft>
+                <a:spcPts val="0"/>
+              </a:spcAft>
+              <a:buClr>
+                <a:schemeClr val="dk1"/>
+              </a:buClr>
+              <a:buSzPts val="3000"/>
+              <a:buFont typeface="Quicksand"/>
+              <a:buNone/>
+              <a:defRPr sz="3000" b="1" i="0" u="none" strike="noStrike" cap="none">
+                <a:solidFill>
+                  <a:schemeClr val="dk1"/>
+                </a:solidFill>
+                <a:latin typeface="Quicksand"/>
+                <a:ea typeface="Quicksand"/>
+                <a:cs typeface="Quicksand"/>
+                <a:sym typeface="Quicksand"/>
+              </a:defRPr>
+            </a:lvl8pPr>
+            <a:lvl9pPr marR="0" lvl="8" algn="l" rtl="0">
+              <a:lnSpc>
+                <a:spcPct val="100000"/>
+              </a:lnSpc>
+              <a:spcBef>
+                <a:spcPts val="0"/>
+              </a:spcBef>
+              <a:spcAft>
+                <a:spcPts val="0"/>
+              </a:spcAft>
+              <a:buClr>
+                <a:schemeClr val="dk1"/>
+              </a:buClr>
+              <a:buSzPts val="3000"/>
+              <a:buFont typeface="Quicksand"/>
+              <a:buNone/>
+              <a:defRPr sz="3000" b="1" i="0" u="none" strike="noStrike" cap="none">
+                <a:solidFill>
+                  <a:schemeClr val="dk1"/>
+                </a:solidFill>
+                <a:latin typeface="Quicksand"/>
+                <a:ea typeface="Quicksand"/>
+                <a:cs typeface="Quicksand"/>
+                <a:sym typeface="Quicksand"/>
+              </a:defRPr>
+            </a:lvl9pPr>
+          </a:lstStyle>
+          <a:p>
+            <a:pPr>
+              <a:buSzPct val="100000"/>
+            </a:pPr>
+            <a:r>
+              <a:rPr lang="en-US" altLang="ko-KR" sz="1300" dirty="0">
+                <a:solidFill>
+                  <a:schemeClr val="tx2">
+                    <a:lumMod val="10000"/>
+                  </a:schemeClr>
+                </a:solidFill>
+                <a:latin typeface="Noto Sans" panose="020B0502040504020204" pitchFamily="34" charset="0"/>
+                <a:ea typeface="Noto Sans" panose="020B0502040504020204" pitchFamily="34" charset="0"/>
+              </a:rPr>
+              <a:t>Hyperparameter</a:t>
+            </a:r>
+            <a:endParaRPr lang="en-US" altLang="ko-KR" sz="1100" dirty="0">
+              <a:solidFill>
+                <a:schemeClr val="tx2">
+                  <a:lumMod val="10000"/>
+                </a:schemeClr>
+              </a:solidFill>
+              <a:latin typeface="Noto Sans" panose="020B0502040504020204" pitchFamily="34" charset="0"/>
+              <a:ea typeface="Noto Sans" panose="020B0502040504020204" pitchFamily="34" charset="0"/>
+            </a:endParaRPr>
+          </a:p>
+        </p:txBody>
+      </p:sp>
+      <p:graphicFrame>
+        <p:nvGraphicFramePr>
+          <p:cNvPr id="2" name="표 3">
+            <a:extLst>
+              <a:ext uri="{FF2B5EF4-FFF2-40B4-BE49-F238E27FC236}">
+                <a16:creationId xmlns:a16="http://schemas.microsoft.com/office/drawing/2014/main" id="{DAC29EE9-17F7-48C8-8F73-2CFB5B1F1938}"/>
+              </a:ext>
+            </a:extLst>
+          </p:cNvPr>
+          <p:cNvGraphicFramePr>
+            <a:graphicFrameLocks noGrp="1"/>
+          </p:cNvGraphicFramePr>
+          <p:nvPr>
+            <p:extLst>
+              <p:ext uri="{D42A27DB-BD31-4B8C-83A1-F6EECF244321}">
+                <p14:modId xmlns:p14="http://schemas.microsoft.com/office/powerpoint/2010/main" val="3429671139"/>
+              </p:ext>
+            </p:extLst>
+          </p:nvPr>
+        </p:nvGraphicFramePr>
+        <p:xfrm>
+          <a:off x="1272510" y="2674166"/>
+          <a:ext cx="6096000" cy="1894840"/>
+        </p:xfrm>
+        <a:graphic>
+          <a:graphicData uri="http://schemas.openxmlformats.org/drawingml/2006/table">
+            <a:tbl>
+              <a:tblPr firstRow="1" bandRow="1">
+                <a:tableStyleId>{1ED9B773-3AED-4998-A287-ACBF47BDC8B5}</a:tableStyleId>
+              </a:tblPr>
+              <a:tblGrid>
+                <a:gridCol w="3048000">
+                  <a:extLst>
+                    <a:ext uri="{9D8B030D-6E8A-4147-A177-3AD203B41FA5}">
+                      <a16:colId xmlns:a16="http://schemas.microsoft.com/office/drawing/2014/main" val="1538506977"/>
+                    </a:ext>
+                  </a:extLst>
+                </a:gridCol>
+                <a:gridCol w="3048000">
+                  <a:extLst>
+                    <a:ext uri="{9D8B030D-6E8A-4147-A177-3AD203B41FA5}">
+                      <a16:colId xmlns:a16="http://schemas.microsoft.com/office/drawing/2014/main" val="3524552"/>
+                    </a:ext>
+                  </a:extLst>
+                </a:gridCol>
+              </a:tblGrid>
+              <a:tr h="370840">
+                <a:tc>
+                  <a:txBody>
+                    <a:bodyPr/>
+                    <a:lstStyle/>
+                    <a:p>
+                      <a:pPr latinLnBrk="1"/>
+                      <a:r>
+                        <a:rPr lang="en-US" altLang="ko-KR" dirty="0"/>
+                        <a:t>Sweep hyperparameter</a:t>
+                      </a:r>
+                      <a:endParaRPr lang="ko-KR" altLang="en-US" dirty="0"/>
+                    </a:p>
+                  </a:txBody>
+                  <a:tcPr/>
+                </a:tc>
+                <a:tc>
+                  <a:txBody>
+                    <a:bodyPr/>
+                    <a:lstStyle/>
+                    <a:p>
+                      <a:pPr latinLnBrk="1"/>
+                      <a:r>
+                        <a:rPr lang="ko-KR" altLang="en-US" dirty="0"/>
+                        <a:t>수치</a:t>
+                      </a:r>
+                    </a:p>
+                  </a:txBody>
+                  <a:tcPr/>
+                </a:tc>
+                <a:extLst>
+                  <a:ext uri="{0D108BD9-81ED-4DB2-BD59-A6C34878D82A}">
+                    <a16:rowId xmlns:a16="http://schemas.microsoft.com/office/drawing/2014/main" val="2099651167"/>
+                  </a:ext>
+                </a:extLst>
+              </a:tr>
+              <a:tr h="123613">
+                <a:tc>
+                  <a:txBody>
+                    <a:bodyPr/>
+                    <a:lstStyle/>
+                    <a:p>
+                      <a:pPr latinLnBrk="1"/>
+                      <a:r>
+                        <a:rPr lang="en-US" altLang="ko-KR" dirty="0"/>
+                        <a:t>epoch</a:t>
+                      </a:r>
+                      <a:endParaRPr lang="ko-KR" altLang="en-US" dirty="0"/>
+                    </a:p>
+                  </a:txBody>
+                  <a:tcPr/>
+                </a:tc>
+                <a:tc>
+                  <a:txBody>
+                    <a:bodyPr/>
+                    <a:lstStyle/>
+                    <a:p>
+                      <a:pPr latinLnBrk="1"/>
+                      <a:r>
+                        <a:rPr lang="en-US" altLang="ko-KR" dirty="0"/>
+                        <a:t>2 ~ 8 </a:t>
+                      </a:r>
+                      <a:endParaRPr lang="ko-KR" altLang="en-US" dirty="0"/>
+                    </a:p>
+                  </a:txBody>
+                  <a:tcPr/>
+                </a:tc>
+                <a:extLst>
+                  <a:ext uri="{0D108BD9-81ED-4DB2-BD59-A6C34878D82A}">
+                    <a16:rowId xmlns:a16="http://schemas.microsoft.com/office/drawing/2014/main" val="249951359"/>
+                  </a:ext>
+                </a:extLst>
+              </a:tr>
+              <a:tr h="181187">
+                <a:tc>
+                  <a:txBody>
+                    <a:bodyPr/>
+                    <a:lstStyle/>
+                    <a:p>
+                      <a:pPr latinLnBrk="1"/>
+                      <a:r>
+                        <a:rPr lang="en-US" altLang="ko-KR" dirty="0"/>
+                        <a:t>Batch size</a:t>
+                      </a:r>
+                      <a:endParaRPr lang="ko-KR" altLang="en-US" dirty="0"/>
+                    </a:p>
+                  </a:txBody>
+                  <a:tcPr/>
+                </a:tc>
+                <a:tc>
+                  <a:txBody>
+                    <a:bodyPr/>
+                    <a:lstStyle/>
+                    <a:p>
+                      <a:pPr latinLnBrk="1"/>
+                      <a:r>
+                        <a:rPr lang="en-US" altLang="ko-KR" dirty="0"/>
+                        <a:t>8, 16, 32</a:t>
+                      </a:r>
+                      <a:endParaRPr lang="ko-KR" altLang="en-US" dirty="0"/>
+                    </a:p>
+                  </a:txBody>
+                  <a:tcPr/>
+                </a:tc>
+                <a:extLst>
+                  <a:ext uri="{0D108BD9-81ED-4DB2-BD59-A6C34878D82A}">
+                    <a16:rowId xmlns:a16="http://schemas.microsoft.com/office/drawing/2014/main" val="825614810"/>
+                  </a:ext>
+                </a:extLst>
+              </a:tr>
+              <a:tr h="0">
+                <a:tc>
+                  <a:txBody>
+                    <a:bodyPr/>
+                    <a:lstStyle/>
+                    <a:p>
+                      <a:pPr latinLnBrk="1"/>
+                      <a:r>
+                        <a:rPr lang="en-US" altLang="ko-KR" dirty="0"/>
+                        <a:t>Optimizer</a:t>
+                      </a:r>
+                      <a:endParaRPr lang="ko-KR" altLang="en-US" dirty="0"/>
+                    </a:p>
+                  </a:txBody>
+                  <a:tcPr/>
+                </a:tc>
+                <a:tc>
+                  <a:txBody>
+                    <a:bodyPr/>
+                    <a:lstStyle/>
+                    <a:p>
+                      <a:pPr latinLnBrk="1"/>
+                      <a:r>
+                        <a:rPr lang="en-US" altLang="ko-KR" dirty="0" err="1"/>
+                        <a:t>AdamW</a:t>
+                      </a:r>
+                      <a:r>
+                        <a:rPr lang="en-US" altLang="ko-KR" dirty="0"/>
+                        <a:t> </a:t>
+                      </a:r>
+                      <a:endParaRPr lang="ko-KR" altLang="en-US" dirty="0"/>
+                    </a:p>
+                  </a:txBody>
+                  <a:tcPr/>
+                </a:tc>
+                <a:extLst>
+                  <a:ext uri="{0D108BD9-81ED-4DB2-BD59-A6C34878D82A}">
+                    <a16:rowId xmlns:a16="http://schemas.microsoft.com/office/drawing/2014/main" val="3552414796"/>
+                  </a:ext>
+                </a:extLst>
+              </a:tr>
+              <a:tr h="203200">
+                <a:tc>
+                  <a:txBody>
+                    <a:bodyPr/>
+                    <a:lstStyle/>
+                    <a:p>
+                      <a:pPr latinLnBrk="1"/>
+                      <a:r>
+                        <a:rPr lang="en-US" altLang="ko-KR" dirty="0"/>
+                        <a:t>Learning rate</a:t>
+                      </a:r>
+                      <a:endParaRPr lang="ko-KR" altLang="en-US" dirty="0"/>
+                    </a:p>
+                  </a:txBody>
+                  <a:tcPr/>
+                </a:tc>
+                <a:tc>
+                  <a:txBody>
+                    <a:bodyPr/>
+                    <a:lstStyle/>
+                    <a:p>
+                      <a:pPr latinLnBrk="1"/>
+                      <a:r>
+                        <a:rPr lang="en-US" altLang="ko-KR" dirty="0"/>
+                        <a:t>2e-5, 3e-5, 5e-5, 1e-4</a:t>
+                      </a:r>
+                      <a:endParaRPr lang="ko-KR" altLang="en-US" dirty="0"/>
+                    </a:p>
+                  </a:txBody>
+                  <a:tcPr/>
+                </a:tc>
+                <a:extLst>
+                  <a:ext uri="{0D108BD9-81ED-4DB2-BD59-A6C34878D82A}">
+                    <a16:rowId xmlns:a16="http://schemas.microsoft.com/office/drawing/2014/main" val="4155722067"/>
+                  </a:ext>
+                </a:extLst>
+              </a:tr>
+              <a:tr h="0">
+                <a:tc>
+                  <a:txBody>
+                    <a:bodyPr/>
+                    <a:lstStyle/>
+                    <a:p>
+                      <a:pPr latinLnBrk="1"/>
+                      <a:endParaRPr lang="ko-KR" altLang="en-US" dirty="0"/>
+                    </a:p>
+                  </a:txBody>
+                  <a:tcPr/>
+                </a:tc>
+                <a:tc>
+                  <a:txBody>
+                    <a:bodyPr/>
+                    <a:lstStyle/>
+                    <a:p>
+                      <a:pPr latinLnBrk="1"/>
+                      <a:endParaRPr lang="ko-KR" altLang="en-US" dirty="0"/>
+                    </a:p>
+                  </a:txBody>
+                  <a:tcPr/>
+                </a:tc>
+                <a:extLst>
+                  <a:ext uri="{0D108BD9-81ED-4DB2-BD59-A6C34878D82A}">
+                    <a16:rowId xmlns:a16="http://schemas.microsoft.com/office/drawing/2014/main" val="1204390437"/>
+                  </a:ext>
+                </a:extLst>
+              </a:tr>
+            </a:tbl>
+          </a:graphicData>
+        </a:graphic>
+      </p:graphicFrame>
+      <p:pic>
+        <p:nvPicPr>
+          <p:cNvPr id="5" name="그림 4">
+            <a:extLst>
+              <a:ext uri="{FF2B5EF4-FFF2-40B4-BE49-F238E27FC236}">
+                <a16:creationId xmlns:a16="http://schemas.microsoft.com/office/drawing/2014/main" id="{7B5C48CC-01C7-43D9-B002-B89071CDFF40}"/>
+              </a:ext>
+            </a:extLst>
+          </p:cNvPr>
+          <p:cNvPicPr>
+            <a:picLocks noChangeAspect="1"/>
+          </p:cNvPicPr>
+          <p:nvPr/>
+        </p:nvPicPr>
+        <p:blipFill>
+          <a:blip r:embed="rId3"/>
+          <a:stretch>
+            <a:fillRect/>
+          </a:stretch>
+        </p:blipFill>
+        <p:spPr>
+          <a:xfrm>
+            <a:off x="758578" y="1918939"/>
+            <a:ext cx="1646997" cy="242123"/>
+          </a:xfrm>
+          <a:prstGeom prst="rect">
+            <a:avLst/>
+          </a:prstGeom>
+        </p:spPr>
+      </p:pic>
     </p:spTree>
     <p:extLst>
       <p:ext uri="{BB962C8B-B14F-4D97-AF65-F5344CB8AC3E}">
